--- a/media/ThumbnailTemplate.pptx
+++ b/media/ThumbnailTemplate.pptx
@@ -4,8 +4,12 @@
   <p:sldMasterIdLst>
     <p:sldMasterId id="2147483648" r:id="rId1"/>
   </p:sldMasterIdLst>
+  <p:handoutMasterIdLst>
+    <p:handoutMasterId r:id="rId4"/>
+  </p:handoutMasterIdLst>
   <p:sldIdLst>
     <p:sldId id="256" r:id="rId2"/>
+    <p:sldId id="257" r:id="rId3"/>
   </p:sldIdLst>
   <p:sldSz cx="12192000" cy="6858000"/>
   <p:notesSz cx="6858000" cy="9144000"/>
@@ -104,7 +108,201 @@
       </a:defRPr>
     </a:lvl9pPr>
   </p:defaultTextStyle>
+  <p:extLst>
+    <p:ext uri="{EFAFB233-063F-42B5-8137-9DF3F51BA10A}">
+      <p15:sldGuideLst xmlns:p15="http://schemas.microsoft.com/office/powerpoint/2012/main"/>
+    </p:ext>
+  </p:extLst>
 </p:presentation>
+</file>
+
+<file path=ppt/handoutMasters/handoutMaster1.xml><?xml version="1.0" encoding="utf-8"?>
+<p:handoutMaster xmlns:a="http://schemas.openxmlformats.org/drawingml/2006/main" xmlns:r="http://schemas.openxmlformats.org/officeDocument/2006/relationships" xmlns:p="http://schemas.openxmlformats.org/presentationml/2006/main">
+  <p:cSld>
+    <p:bg>
+      <p:bgRef idx="1001">
+        <a:schemeClr val="bg1"/>
+      </p:bgRef>
+    </p:bg>
+    <p:spTree>
+      <p:nvGrpSpPr>
+        <p:cNvPr id="1" name=""/>
+        <p:cNvGrpSpPr/>
+        <p:nvPr/>
+      </p:nvGrpSpPr>
+      <p:grpSpPr>
+        <a:xfrm>
+          <a:off x="0" y="0"/>
+          <a:ext cx="0" cy="0"/>
+          <a:chOff x="0" y="0"/>
+          <a:chExt cx="0" cy="0"/>
+        </a:xfrm>
+      </p:grpSpPr>
+      <p:sp>
+        <p:nvSpPr>
+          <p:cNvPr id="2" name="Header Placeholder 1">
+            <a:extLst>
+              <a:ext uri="{FF2B5EF4-FFF2-40B4-BE49-F238E27FC236}">
+                <a16:creationId xmlns:a16="http://schemas.microsoft.com/office/drawing/2014/main" id="{1A4E38A6-8106-48B7-9175-DE418F1C0AEC}"/>
+              </a:ext>
+            </a:extLst>
+          </p:cNvPr>
+          <p:cNvSpPr>
+            <a:spLocks noGrp="1"/>
+          </p:cNvSpPr>
+          <p:nvPr>
+            <p:ph type="hdr" sz="quarter"/>
+          </p:nvPr>
+        </p:nvSpPr>
+        <p:spPr>
+          <a:xfrm>
+            <a:off x="0" y="0"/>
+            <a:ext cx="2971800" cy="458788"/>
+          </a:xfrm>
+          <a:prstGeom prst="rect">
+            <a:avLst/>
+          </a:prstGeom>
+        </p:spPr>
+        <p:txBody>
+          <a:bodyPr vert="horz" lIns="91440" tIns="45720" rIns="91440" bIns="45720" rtlCol="0"/>
+          <a:lstStyle>
+            <a:lvl1pPr algn="l">
+              <a:defRPr sz="1200"/>
+            </a:lvl1pPr>
+          </a:lstStyle>
+          <a:p>
+            <a:endParaRPr lang="en-US"/>
+          </a:p>
+        </p:txBody>
+      </p:sp>
+      <p:sp>
+        <p:nvSpPr>
+          <p:cNvPr id="3" name="Date Placeholder 2">
+            <a:extLst>
+              <a:ext uri="{FF2B5EF4-FFF2-40B4-BE49-F238E27FC236}">
+                <a16:creationId xmlns:a16="http://schemas.microsoft.com/office/drawing/2014/main" id="{A83B86EA-FC0F-444D-9FB5-159FDD8E67F0}"/>
+              </a:ext>
+            </a:extLst>
+          </p:cNvPr>
+          <p:cNvSpPr>
+            <a:spLocks noGrp="1"/>
+          </p:cNvSpPr>
+          <p:nvPr>
+            <p:ph type="dt" sz="quarter" idx="1"/>
+          </p:nvPr>
+        </p:nvSpPr>
+        <p:spPr>
+          <a:xfrm>
+            <a:off x="3884613" y="0"/>
+            <a:ext cx="2971800" cy="458788"/>
+          </a:xfrm>
+          <a:prstGeom prst="rect">
+            <a:avLst/>
+          </a:prstGeom>
+        </p:spPr>
+        <p:txBody>
+          <a:bodyPr vert="horz" lIns="91440" tIns="45720" rIns="91440" bIns="45720" rtlCol="0"/>
+          <a:lstStyle>
+            <a:lvl1pPr algn="r">
+              <a:defRPr sz="1200"/>
+            </a:lvl1pPr>
+          </a:lstStyle>
+          <a:p>
+            <a:fld id="{BE85871F-E2CB-4745-95F9-C2CF77613C12}" type="datetimeFigureOut">
+              <a:rPr lang="en-US" smtClean="0"/>
+              <a:t>1/25/2020</a:t>
+            </a:fld>
+            <a:endParaRPr lang="en-US"/>
+          </a:p>
+        </p:txBody>
+      </p:sp>
+      <p:sp>
+        <p:nvSpPr>
+          <p:cNvPr id="4" name="Footer Placeholder 3">
+            <a:extLst>
+              <a:ext uri="{FF2B5EF4-FFF2-40B4-BE49-F238E27FC236}">
+                <a16:creationId xmlns:a16="http://schemas.microsoft.com/office/drawing/2014/main" id="{E7DA3E51-5290-4F2C-B27B-CC2E51548FC1}"/>
+              </a:ext>
+            </a:extLst>
+          </p:cNvPr>
+          <p:cNvSpPr>
+            <a:spLocks noGrp="1"/>
+          </p:cNvSpPr>
+          <p:nvPr>
+            <p:ph type="ftr" sz="quarter" idx="2"/>
+          </p:nvPr>
+        </p:nvSpPr>
+        <p:spPr>
+          <a:xfrm>
+            <a:off x="0" y="8685213"/>
+            <a:ext cx="2971800" cy="458787"/>
+          </a:xfrm>
+          <a:prstGeom prst="rect">
+            <a:avLst/>
+          </a:prstGeom>
+        </p:spPr>
+        <p:txBody>
+          <a:bodyPr vert="horz" lIns="91440" tIns="45720" rIns="91440" bIns="45720" rtlCol="0" anchor="b"/>
+          <a:lstStyle>
+            <a:lvl1pPr algn="l">
+              <a:defRPr sz="1200"/>
+            </a:lvl1pPr>
+          </a:lstStyle>
+          <a:p>
+            <a:endParaRPr lang="en-US"/>
+          </a:p>
+        </p:txBody>
+      </p:sp>
+      <p:sp>
+        <p:nvSpPr>
+          <p:cNvPr id="5" name="Slide Number Placeholder 4">
+            <a:extLst>
+              <a:ext uri="{FF2B5EF4-FFF2-40B4-BE49-F238E27FC236}">
+                <a16:creationId xmlns:a16="http://schemas.microsoft.com/office/drawing/2014/main" id="{4827BDDA-ED6B-402B-A99D-213818BBB08D}"/>
+              </a:ext>
+            </a:extLst>
+          </p:cNvPr>
+          <p:cNvSpPr>
+            <a:spLocks noGrp="1"/>
+          </p:cNvSpPr>
+          <p:nvPr>
+            <p:ph type="sldNum" sz="quarter" idx="3"/>
+          </p:nvPr>
+        </p:nvSpPr>
+        <p:spPr>
+          <a:xfrm>
+            <a:off x="3884613" y="8685213"/>
+            <a:ext cx="2971800" cy="458787"/>
+          </a:xfrm>
+          <a:prstGeom prst="rect">
+            <a:avLst/>
+          </a:prstGeom>
+        </p:spPr>
+        <p:txBody>
+          <a:bodyPr vert="horz" lIns="91440" tIns="45720" rIns="91440" bIns="45720" rtlCol="0" anchor="b"/>
+          <a:lstStyle>
+            <a:lvl1pPr algn="r">
+              <a:defRPr sz="1200"/>
+            </a:lvl1pPr>
+          </a:lstStyle>
+          <a:p>
+            <a:fld id="{07B9E845-0B2A-480B-8856-FB48C4E838FE}" type="slidenum">
+              <a:rPr lang="en-US" smtClean="0"/>
+              <a:t>‹#›</a:t>
+            </a:fld>
+            <a:endParaRPr lang="en-US"/>
+          </a:p>
+        </p:txBody>
+      </p:sp>
+    </p:spTree>
+    <p:extLst>
+      <p:ext uri="{BB962C8B-B14F-4D97-AF65-F5344CB8AC3E}">
+        <p14:creationId xmlns:p14="http://schemas.microsoft.com/office/powerpoint/2010/main" val="3616620218"/>
+      </p:ext>
+    </p:extLst>
+  </p:cSld>
+  <p:clrMap bg1="lt1" tx1="dk1" bg2="lt2" tx2="dk2" accent1="accent1" accent2="accent2" accent3="accent3" accent4="accent4" accent5="accent5" accent6="accent6" hlink="hlink" folHlink="folHlink"/>
+</p:handoutMaster>
 </file>
 
 <file path=ppt/slideLayouts/slideLayout1.xml><?xml version="1.0" encoding="utf-8"?>
@@ -254,7 +452,7 @@
           <a:p>
             <a:fld id="{59C95A8B-8514-44D8-B6AF-C67D600D4544}" type="datetimeFigureOut">
               <a:rPr lang="en-US" smtClean="0"/>
-              <a:t>1/24/2020</a:t>
+              <a:t>1/25/2020</a:t>
             </a:fld>
             <a:endParaRPr lang="en-US"/>
           </a:p>
@@ -452,7 +650,7 @@
           <a:p>
             <a:fld id="{59C95A8B-8514-44D8-B6AF-C67D600D4544}" type="datetimeFigureOut">
               <a:rPr lang="en-US" smtClean="0"/>
-              <a:t>1/24/2020</a:t>
+              <a:t>1/25/2020</a:t>
             </a:fld>
             <a:endParaRPr lang="en-US"/>
           </a:p>
@@ -660,7 +858,7 @@
           <a:p>
             <a:fld id="{59C95A8B-8514-44D8-B6AF-C67D600D4544}" type="datetimeFigureOut">
               <a:rPr lang="en-US" smtClean="0"/>
-              <a:t>1/24/2020</a:t>
+              <a:t>1/25/2020</a:t>
             </a:fld>
             <a:endParaRPr lang="en-US"/>
           </a:p>
@@ -858,7 +1056,7 @@
           <a:p>
             <a:fld id="{59C95A8B-8514-44D8-B6AF-C67D600D4544}" type="datetimeFigureOut">
               <a:rPr lang="en-US" smtClean="0"/>
-              <a:t>1/24/2020</a:t>
+              <a:t>1/25/2020</a:t>
             </a:fld>
             <a:endParaRPr lang="en-US"/>
           </a:p>
@@ -1133,7 +1331,7 @@
           <a:p>
             <a:fld id="{59C95A8B-8514-44D8-B6AF-C67D600D4544}" type="datetimeFigureOut">
               <a:rPr lang="en-US" smtClean="0"/>
-              <a:t>1/24/2020</a:t>
+              <a:t>1/25/2020</a:t>
             </a:fld>
             <a:endParaRPr lang="en-US"/>
           </a:p>
@@ -1398,7 +1596,7 @@
           <a:p>
             <a:fld id="{59C95A8B-8514-44D8-B6AF-C67D600D4544}" type="datetimeFigureOut">
               <a:rPr lang="en-US" smtClean="0"/>
-              <a:t>1/24/2020</a:t>
+              <a:t>1/25/2020</a:t>
             </a:fld>
             <a:endParaRPr lang="en-US"/>
           </a:p>
@@ -1810,7 +2008,7 @@
           <a:p>
             <a:fld id="{59C95A8B-8514-44D8-B6AF-C67D600D4544}" type="datetimeFigureOut">
               <a:rPr lang="en-US" smtClean="0"/>
-              <a:t>1/24/2020</a:t>
+              <a:t>1/25/2020</a:t>
             </a:fld>
             <a:endParaRPr lang="en-US"/>
           </a:p>
@@ -1951,7 +2149,7 @@
           <a:p>
             <a:fld id="{59C95A8B-8514-44D8-B6AF-C67D600D4544}" type="datetimeFigureOut">
               <a:rPr lang="en-US" smtClean="0"/>
-              <a:t>1/24/2020</a:t>
+              <a:t>1/25/2020</a:t>
             </a:fld>
             <a:endParaRPr lang="en-US"/>
           </a:p>
@@ -2064,7 +2262,7 @@
           <a:p>
             <a:fld id="{59C95A8B-8514-44D8-B6AF-C67D600D4544}" type="datetimeFigureOut">
               <a:rPr lang="en-US" smtClean="0"/>
-              <a:t>1/24/2020</a:t>
+              <a:t>1/25/2020</a:t>
             </a:fld>
             <a:endParaRPr lang="en-US"/>
           </a:p>
@@ -2375,7 +2573,7 @@
           <a:p>
             <a:fld id="{59C95A8B-8514-44D8-B6AF-C67D600D4544}" type="datetimeFigureOut">
               <a:rPr lang="en-US" smtClean="0"/>
-              <a:t>1/24/2020</a:t>
+              <a:t>1/25/2020</a:t>
             </a:fld>
             <a:endParaRPr lang="en-US"/>
           </a:p>
@@ -2663,7 +2861,7 @@
           <a:p>
             <a:fld id="{59C95A8B-8514-44D8-B6AF-C67D600D4544}" type="datetimeFigureOut">
               <a:rPr lang="en-US" smtClean="0"/>
-              <a:t>1/24/2020</a:t>
+              <a:t>1/25/2020</a:t>
             </a:fld>
             <a:endParaRPr lang="en-US"/>
           </a:p>
@@ -2904,7 +3102,7 @@
           <a:p>
             <a:fld id="{59C95A8B-8514-44D8-B6AF-C67D600D4544}" type="datetimeFigureOut">
               <a:rPr lang="en-US" smtClean="0"/>
-              <a:t>1/24/2020</a:t>
+              <a:t>1/25/2020</a:t>
             </a:fld>
             <a:endParaRPr lang="en-US"/>
           </a:p>
@@ -3329,21 +3527,21 @@
           <a:chExt cx="0" cy="0"/>
         </a:xfrm>
       </p:grpSpPr>
-      <p:sp>
-        <p:nvSpPr>
-          <p:cNvPr id="14" name="Rectangle 13">
-            <a:extLst>
-              <a:ext uri="{FF2B5EF4-FFF2-40B4-BE49-F238E27FC236}">
-                <a16:creationId xmlns:a16="http://schemas.microsoft.com/office/drawing/2014/main" id="{C0B27210-D0CA-4654-B3E3-9ABB4F178EA1}"/>
+      <p:cxnSp>
+        <p:nvCxnSpPr>
+          <p:cNvPr id="32" name="Straight Connector 31">
+            <a:extLst>
+              <a:ext uri="{FF2B5EF4-FFF2-40B4-BE49-F238E27FC236}">
+                <a16:creationId xmlns:a16="http://schemas.microsoft.com/office/drawing/2014/main" id="{D2E961F1-4A28-4A5F-BBD4-6E400E5E6C75}"/>
               </a:ext>
               <a:ext uri="{C183D7F6-B498-43B3-948B-1728B52AA6E4}">
                 <adec:decorative xmlns:adec="http://schemas.microsoft.com/office/drawing/2017/decorative" val="1"/>
               </a:ext>
             </a:extLst>
           </p:cNvPr>
-          <p:cNvSpPr>
-            <a:spLocks noGrp="1" noRot="1" noChangeAspect="1" noMove="1" noResize="1" noEditPoints="1" noAdjustHandles="1" noChangeArrowheads="1" noChangeShapeType="1" noTextEdit="1"/>
-          </p:cNvSpPr>
+          <p:cNvCxnSpPr>
+            <a:cxnSpLocks noGrp="1" noRot="1" noChangeAspect="1" noMove="1" noResize="1" noEditPoints="1" noAdjustHandles="1" noChangeArrowheads="1" noChangeShapeType="1"/>
+          </p:cNvCxnSpPr>
           <p:nvPr>
             <p:extLst>
               <p:ext uri="{386F3935-93C4-4BCD-93E2-E3B085C9AB24}">
@@ -3351,11 +3549,66 @@
               </p:ext>
             </p:extLst>
           </p:nvPr>
+        </p:nvCxnSpPr>
+        <p:spPr bwMode="white">
+          <a:xfrm>
+            <a:off x="0" y="272357"/>
+            <a:ext cx="12188824" cy="0"/>
+          </a:xfrm>
+          <a:prstGeom prst="line">
+            <a:avLst/>
+          </a:prstGeom>
+          <a:ln w="50800">
+            <a:solidFill>
+              <a:schemeClr val="tx1">
+                <a:lumMod val="75000"/>
+                <a:lumOff val="25000"/>
+              </a:schemeClr>
+            </a:solidFill>
+          </a:ln>
+        </p:spPr>
+        <p:style>
+          <a:lnRef idx="1">
+            <a:schemeClr val="accent1"/>
+          </a:lnRef>
+          <a:fillRef idx="0">
+            <a:schemeClr val="accent1"/>
+          </a:fillRef>
+          <a:effectRef idx="0">
+            <a:schemeClr val="accent1"/>
+          </a:effectRef>
+          <a:fontRef idx="minor">
+            <a:schemeClr val="tx1"/>
+          </a:fontRef>
+        </p:style>
+      </p:cxnSp>
+      <p:sp>
+        <p:nvSpPr>
+          <p:cNvPr id="34" name="Rectangle 33">
+            <a:extLst>
+              <a:ext uri="{FF2B5EF4-FFF2-40B4-BE49-F238E27FC236}">
+                <a16:creationId xmlns:a16="http://schemas.microsoft.com/office/drawing/2014/main" id="{7F57BEA8-497D-4AA8-8A18-BDCD696B25FE}"/>
+              </a:ext>
+              <a:ext uri="{C183D7F6-B498-43B3-948B-1728B52AA6E4}">
+                <adec:decorative xmlns:adec="http://schemas.microsoft.com/office/drawing/2017/decorative" val="1"/>
+              </a:ext>
+            </a:extLst>
+          </p:cNvPr>
+          <p:cNvSpPr>
+            <a:spLocks noGrp="1" noRot="1" noChangeAspect="1" noMove="1" noResize="1" noEditPoints="1" noAdjustHandles="1" noChangeArrowheads="1" noChangeShapeType="1" noTextEdit="1"/>
+          </p:cNvSpPr>
+          <p:nvPr>
+            <p:extLst>
+              <p:ext uri="{386F3935-93C4-4BCD-93E2-E3B085C9AB24}">
+                <p16:designElem xmlns:p16="http://schemas.microsoft.com/office/powerpoint/2015/main" val="1"/>
+              </p:ext>
+            </p:extLst>
+          </p:nvPr>
         </p:nvSpPr>
         <p:spPr>
           <a:xfrm>
-            <a:off x="0" y="0"/>
-            <a:ext cx="12192000" cy="6858000"/>
+            <a:off x="0" y="368596"/>
+            <a:ext cx="12192000" cy="1735555"/>
           </a:xfrm>
           <a:prstGeom prst="rect">
             <a:avLst/>
@@ -3413,24 +3666,32 @@
         </p:nvSpPr>
         <p:spPr>
           <a:xfrm>
-            <a:off x="6746628" y="1783959"/>
-            <a:ext cx="4645250" cy="2889114"/>
+            <a:off x="526073" y="489439"/>
+            <a:ext cx="11139854" cy="930447"/>
           </a:xfrm>
         </p:spPr>
         <p:txBody>
-          <a:bodyPr anchor="b">
+          <a:bodyPr>
             <a:normAutofit/>
           </a:bodyPr>
           <a:lstStyle/>
           <a:p>
-            <a:pPr algn="l"/>
+            <a:r>
+              <a:rPr lang="en-CA" dirty="0">
+                <a:solidFill>
+                  <a:schemeClr val="bg1"/>
+                </a:solidFill>
+                <a:latin typeface="+mn-lt"/>
+              </a:rPr>
+              <a:t>Exploring</a:t>
+            </a:r>
             <a:r>
               <a:rPr lang="en-CA" dirty="0">
                 <a:solidFill>
                   <a:schemeClr val="bg1"/>
                 </a:solidFill>
               </a:rPr>
-              <a:t>Exploring </a:t>
+              <a:t> </a:t>
             </a:r>
             <a:r>
               <a:rPr lang="en-CA" dirty="0" err="1">
@@ -3466,48 +3727,47 @@
         </p:nvSpPr>
         <p:spPr>
           <a:xfrm>
-            <a:off x="6746627" y="4750893"/>
-            <a:ext cx="4645250" cy="1147863"/>
+            <a:off x="1524000" y="1548499"/>
+            <a:ext cx="9144000" cy="420001"/>
           </a:xfrm>
         </p:spPr>
         <p:txBody>
-          <a:bodyPr anchor="t">
-            <a:normAutofit/>
+          <a:bodyPr>
+            <a:noAutofit/>
           </a:bodyPr>
           <a:lstStyle/>
           <a:p>
-            <a:pPr algn="l"/>
-            <a:r>
-              <a:rPr lang="en-CA" sz="2000" dirty="0">
+            <a:r>
+              <a:rPr lang="en-CA" sz="3600" dirty="0">
                 <a:solidFill>
-                  <a:schemeClr val="bg1"/>
+                  <a:srgbClr val="F6A322"/>
                 </a:solidFill>
               </a:rPr>
               <a:t>Episode #148</a:t>
             </a:r>
-            <a:endParaRPr lang="en-US" sz="2000" dirty="0">
+            <a:endParaRPr lang="en-US" sz="3600" dirty="0">
               <a:solidFill>
-                <a:schemeClr val="bg1"/>
+                <a:srgbClr val="F6A322"/>
               </a:solidFill>
             </a:endParaRPr>
           </a:p>
         </p:txBody>
       </p:sp>
-      <p:sp>
-        <p:nvSpPr>
-          <p:cNvPr id="16" name="Freeform: Shape 15">
-            <a:extLst>
-              <a:ext uri="{FF2B5EF4-FFF2-40B4-BE49-F238E27FC236}">
-                <a16:creationId xmlns:a16="http://schemas.microsoft.com/office/drawing/2014/main" id="{1DB7C82F-AB7E-4F0C-B829-FA1B9C415180}"/>
+      <p:cxnSp>
+        <p:nvCxnSpPr>
+          <p:cNvPr id="40" name="Straight Connector 35">
+            <a:extLst>
+              <a:ext uri="{FF2B5EF4-FFF2-40B4-BE49-F238E27FC236}">
+                <a16:creationId xmlns:a16="http://schemas.microsoft.com/office/drawing/2014/main" id="{A82415D3-DDE5-4D63-8CB3-23A5EC581B27}"/>
               </a:ext>
               <a:ext uri="{C183D7F6-B498-43B3-948B-1728B52AA6E4}">
                 <adec:decorative xmlns:adec="http://schemas.microsoft.com/office/drawing/2017/decorative" val="1"/>
               </a:ext>
             </a:extLst>
           </p:cNvPr>
-          <p:cNvSpPr>
-            <a:spLocks noGrp="1" noRot="1" noChangeAspect="1" noMove="1" noResize="1" noEditPoints="1" noAdjustHandles="1" noChangeArrowheads="1" noChangeShapeType="1" noTextEdit="1"/>
-          </p:cNvSpPr>
+          <p:cNvCxnSpPr>
+            <a:cxnSpLocks noGrp="1" noRot="1" noChangeAspect="1" noMove="1" noResize="1" noEditPoints="1" noAdjustHandles="1" noChangeArrowheads="1" noChangeShapeType="1"/>
+          </p:cNvCxnSpPr>
           <p:nvPr>
             <p:extLst>
               <p:ext uri="{386F3935-93C4-4BCD-93E2-E3B085C9AB24}">
@@ -3515,93 +3775,192 @@
               </p:ext>
             </p:extLst>
           </p:nvPr>
-        </p:nvSpPr>
+        </p:nvCxnSpPr>
         <p:spPr>
-          <a:xfrm flipH="1">
-            <a:off x="0" y="0"/>
-            <a:ext cx="6172782" cy="6858000"/>
+          <a:xfrm>
+            <a:off x="4724400" y="1479733"/>
+            <a:ext cx="2743200" cy="0"/>
           </a:xfrm>
-          <a:custGeom>
+          <a:prstGeom prst="line">
             <a:avLst/>
-            <a:gdLst>
-              <a:gd name="connsiteX0" fmla="*/ 6172782 w 6172782"/>
-              <a:gd name="connsiteY0" fmla="*/ 0 h 6858000"/>
-              <a:gd name="connsiteX1" fmla="*/ 69075 w 6172782"/>
-              <a:gd name="connsiteY1" fmla="*/ 0 h 6858000"/>
-              <a:gd name="connsiteX2" fmla="*/ 35131 w 6172782"/>
-              <a:gd name="connsiteY2" fmla="*/ 267128 h 6858000"/>
-              <a:gd name="connsiteX3" fmla="*/ 0 w 6172782"/>
-              <a:gd name="connsiteY3" fmla="*/ 962845 h 6858000"/>
-              <a:gd name="connsiteX4" fmla="*/ 3276103 w 6172782"/>
-              <a:gd name="connsiteY4" fmla="*/ 6782205 h 6858000"/>
-              <a:gd name="connsiteX5" fmla="*/ 3407923 w 6172782"/>
-              <a:gd name="connsiteY5" fmla="*/ 6858000 h 6858000"/>
-              <a:gd name="connsiteX6" fmla="*/ 6172782 w 6172782"/>
-              <a:gd name="connsiteY6" fmla="*/ 6858000 h 6858000"/>
-            </a:gdLst>
-            <a:ahLst/>
-            <a:cxnLst>
-              <a:cxn ang="0">
-                <a:pos x="connsiteX0" y="connsiteY0"/>
-              </a:cxn>
-              <a:cxn ang="0">
-                <a:pos x="connsiteX1" y="connsiteY1"/>
-              </a:cxn>
-              <a:cxn ang="0">
-                <a:pos x="connsiteX2" y="connsiteY2"/>
-              </a:cxn>
-              <a:cxn ang="0">
-                <a:pos x="connsiteX3" y="connsiteY3"/>
-              </a:cxn>
-              <a:cxn ang="0">
-                <a:pos x="connsiteX4" y="connsiteY4"/>
-              </a:cxn>
-              <a:cxn ang="0">
-                <a:pos x="connsiteX5" y="connsiteY5"/>
-              </a:cxn>
-              <a:cxn ang="0">
-                <a:pos x="connsiteX6" y="connsiteY6"/>
-              </a:cxn>
-            </a:cxnLst>
-            <a:rect l="l" t="t" r="r" b="b"/>
-            <a:pathLst>
-              <a:path w="6172782" h="6858000">
-                <a:moveTo>
-                  <a:pt x="6172782" y="0"/>
-                </a:moveTo>
-                <a:lnTo>
-                  <a:pt x="69075" y="0"/>
-                </a:lnTo>
-                <a:lnTo>
-                  <a:pt x="35131" y="267128"/>
-                </a:lnTo>
-                <a:cubicBezTo>
-                  <a:pt x="11901" y="495874"/>
-                  <a:pt x="0" y="727970"/>
-                  <a:pt x="0" y="962845"/>
-                </a:cubicBezTo>
-                <a:cubicBezTo>
-                  <a:pt x="0" y="3429034"/>
-                  <a:pt x="1312002" y="5588789"/>
-                  <a:pt x="3276103" y="6782205"/>
-                </a:cubicBezTo>
-                <a:lnTo>
-                  <a:pt x="3407923" y="6858000"/>
-                </a:lnTo>
-                <a:lnTo>
-                  <a:pt x="6172782" y="6858000"/>
-                </a:lnTo>
-                <a:close/>
-              </a:path>
-            </a:pathLst>
-          </a:custGeom>
+          </a:prstGeom>
+          <a:ln w="19050">
+            <a:solidFill>
+              <a:schemeClr val="bg1">
+                <a:alpha val="75000"/>
+              </a:schemeClr>
+            </a:solidFill>
+          </a:ln>
+        </p:spPr>
+        <p:style>
+          <a:lnRef idx="1">
+            <a:schemeClr val="accent1"/>
+          </a:lnRef>
+          <a:fillRef idx="0">
+            <a:schemeClr val="accent1"/>
+          </a:fillRef>
+          <a:effectRef idx="0">
+            <a:schemeClr val="accent1"/>
+          </a:effectRef>
+          <a:fontRef idx="minor">
+            <a:schemeClr val="tx1"/>
+          </a:fontRef>
+        </p:style>
+      </p:cxnSp>
+      <p:cxnSp>
+        <p:nvCxnSpPr>
+          <p:cNvPr id="41" name="Straight Connector 37">
+            <a:extLst>
+              <a:ext uri="{FF2B5EF4-FFF2-40B4-BE49-F238E27FC236}">
+                <a16:creationId xmlns:a16="http://schemas.microsoft.com/office/drawing/2014/main" id="{AD7193FB-6AE6-4B3B-8F89-56B55DD63B4D}"/>
+              </a:ext>
+              <a:ext uri="{C183D7F6-B498-43B3-948B-1728B52AA6E4}">
+                <adec:decorative xmlns:adec="http://schemas.microsoft.com/office/drawing/2017/decorative" val="1"/>
+              </a:ext>
+            </a:extLst>
+          </p:cNvPr>
+          <p:cNvCxnSpPr>
+            <a:cxnSpLocks noGrp="1" noRot="1" noChangeAspect="1" noMove="1" noResize="1" noEditPoints="1" noAdjustHandles="1" noChangeArrowheads="1" noChangeShapeType="1"/>
+          </p:cNvCxnSpPr>
+          <p:nvPr>
+            <p:extLst>
+              <p:ext uri="{386F3935-93C4-4BCD-93E2-E3B085C9AB24}">
+                <p16:designElem xmlns:p16="http://schemas.microsoft.com/office/powerpoint/2015/main" val="1"/>
+              </p:ext>
+            </p:extLst>
+          </p:nvPr>
+        </p:nvCxnSpPr>
+        <p:spPr bwMode="white">
+          <a:xfrm>
+            <a:off x="0" y="2201402"/>
+            <a:ext cx="12188824" cy="0"/>
+          </a:xfrm>
+          <a:prstGeom prst="line">
+            <a:avLst/>
+          </a:prstGeom>
+          <a:ln w="50800">
+            <a:solidFill>
+              <a:schemeClr val="tx1">
+                <a:lumMod val="75000"/>
+                <a:lumOff val="25000"/>
+              </a:schemeClr>
+            </a:solidFill>
+          </a:ln>
+        </p:spPr>
+        <p:style>
+          <a:lnRef idx="1">
+            <a:schemeClr val="accent1"/>
+          </a:lnRef>
+          <a:fillRef idx="0">
+            <a:schemeClr val="accent1"/>
+          </a:fillRef>
+          <a:effectRef idx="0">
+            <a:schemeClr val="accent1"/>
+          </a:effectRef>
+          <a:fontRef idx="minor">
+            <a:schemeClr val="tx1"/>
+          </a:fontRef>
+        </p:style>
+      </p:cxnSp>
+      <p:pic>
+        <p:nvPicPr>
+          <p:cNvPr id="5" name="Picture 4" descr="A picture containing toy, doll, cake, food&#10;&#10;Description automatically generated">
+            <a:extLst>
+              <a:ext uri="{FF2B5EF4-FFF2-40B4-BE49-F238E27FC236}">
+                <a16:creationId xmlns:a16="http://schemas.microsoft.com/office/drawing/2014/main" id="{F2A48C10-6484-4B9A-8FCD-1CFABF707E0B}"/>
+              </a:ext>
+            </a:extLst>
+          </p:cNvPr>
+          <p:cNvPicPr>
+            <a:picLocks noChangeAspect="1"/>
+          </p:cNvPicPr>
+          <p:nvPr/>
+        </p:nvPicPr>
+        <p:blipFill>
+          <a:blip r:embed="rId2">
+            <a:extLst>
+              <a:ext uri="{28A0092B-C50C-407E-A947-70E740481C1C}">
+                <a14:useLocalDpi xmlns:a14="http://schemas.microsoft.com/office/drawing/2010/main" val="0"/>
+              </a:ext>
+            </a:extLst>
+          </a:blip>
+          <a:stretch>
+            <a:fillRect/>
+          </a:stretch>
+        </p:blipFill>
+        <p:spPr>
+          <a:xfrm>
+            <a:off x="3389789" y="3085486"/>
+            <a:ext cx="5409246" cy="3367256"/>
+          </a:xfrm>
+          <a:prstGeom prst="rect">
+            <a:avLst/>
+          </a:prstGeom>
+        </p:spPr>
+      </p:pic>
+    </p:spTree>
+    <p:extLst>
+      <p:ext uri="{BB962C8B-B14F-4D97-AF65-F5344CB8AC3E}">
+        <p14:creationId xmlns:p14="http://schemas.microsoft.com/office/powerpoint/2010/main" val="3918733122"/>
+      </p:ext>
+    </p:extLst>
+  </p:cSld>
+  <p:clrMapOvr>
+    <a:masterClrMapping/>
+  </p:clrMapOvr>
+</p:sld>
+</file>
+
+<file path=ppt/slides/slide2.xml><?xml version="1.0" encoding="utf-8"?>
+<p:sld xmlns:a="http://schemas.openxmlformats.org/drawingml/2006/main" xmlns:r="http://schemas.openxmlformats.org/officeDocument/2006/relationships" xmlns:p="http://schemas.openxmlformats.org/presentationml/2006/main">
+  <p:cSld>
+    <p:spTree>
+      <p:nvGrpSpPr>
+        <p:cNvPr id="1" name=""/>
+        <p:cNvGrpSpPr/>
+        <p:nvPr/>
+      </p:nvGrpSpPr>
+      <p:grpSpPr>
+        <a:xfrm>
+          <a:off x="0" y="0"/>
+          <a:ext cx="0" cy="0"/>
+          <a:chOff x="0" y="0"/>
+          <a:chExt cx="0" cy="0"/>
+        </a:xfrm>
+      </p:grpSpPr>
+      <p:sp>
+        <p:nvSpPr>
+          <p:cNvPr id="4" name="Rectangle 3">
+            <a:extLst>
+              <a:ext uri="{FF2B5EF4-FFF2-40B4-BE49-F238E27FC236}">
+                <a16:creationId xmlns:a16="http://schemas.microsoft.com/office/drawing/2014/main" id="{ECE8315C-1D58-4245-A4E5-CAFBCFABF7B1}"/>
+              </a:ext>
+            </a:extLst>
+          </p:cNvPr>
+          <p:cNvSpPr/>
+          <p:nvPr/>
+        </p:nvSpPr>
+        <p:spPr>
+          <a:xfrm>
+            <a:off x="0" y="612196"/>
+            <a:ext cx="12192000" cy="2105526"/>
+          </a:xfrm>
+          <a:prstGeom prst="rect">
+            <a:avLst/>
+          </a:prstGeom>
           <a:solidFill>
-            <a:schemeClr val="bg1">
-              <a:alpha val="80000"/>
+            <a:schemeClr val="tx1">
+              <a:lumMod val="75000"/>
+              <a:lumOff val="25000"/>
             </a:schemeClr>
           </a:solidFill>
           <a:ln>
-            <a:noFill/>
+            <a:solidFill>
+              <a:schemeClr val="tx1">
+                <a:lumMod val="75000"/>
+                <a:lumOff val="25000"/>
+              </a:schemeClr>
+            </a:solidFill>
           </a:ln>
         </p:spPr>
         <p:style>
@@ -3621,216 +3980,108 @@
           </a:fontRef>
         </p:style>
         <p:txBody>
-          <a:bodyPr wrap="square" rtlCol="0" anchor="ctr">
-            <a:noAutofit/>
-          </a:bodyPr>
-          <a:lstStyle/>
-          <a:p>
-            <a:pPr marL="0" marR="0" lvl="0" indent="0" algn="ctr" defTabSz="914400" rtl="0" eaLnBrk="1" fontAlgn="auto" latinLnBrk="0" hangingPunct="1">
-              <a:lnSpc>
-                <a:spcPct val="100000"/>
-              </a:lnSpc>
-              <a:spcBef>
-                <a:spcPts val="0"/>
-              </a:spcBef>
-              <a:spcAft>
-                <a:spcPts val="0"/>
-              </a:spcAft>
-              <a:buClrTx/>
-              <a:buSzTx/>
-              <a:buFontTx/>
-              <a:buNone/>
-              <a:tabLst/>
-              <a:defRPr/>
-            </a:pPr>
-            <a:endParaRPr kumimoji="0" lang="en-US" sz="1800" b="0" i="0" u="none" strike="noStrike" kern="1200" cap="none" spc="0" normalizeH="0" baseline="0" noProof="0">
-              <a:ln>
-                <a:noFill/>
-              </a:ln>
-              <a:solidFill>
-                <a:prstClr val="white"/>
-              </a:solidFill>
-              <a:effectLst/>
-              <a:uLnTx/>
-              <a:uFillTx/>
-              <a:latin typeface="Calibri" panose="020F0502020204030204"/>
-              <a:ea typeface="+mn-ea"/>
-              <a:cs typeface="+mn-cs"/>
-            </a:endParaRPr>
-          </a:p>
-        </p:txBody>
-      </p:sp>
-      <p:sp>
-        <p:nvSpPr>
-          <p:cNvPr id="18" name="Freeform: Shape 17">
-            <a:extLst>
-              <a:ext uri="{FF2B5EF4-FFF2-40B4-BE49-F238E27FC236}">
-                <a16:creationId xmlns:a16="http://schemas.microsoft.com/office/drawing/2014/main" id="{70B66945-4967-4040-926D-DCA44313CDAB}"/>
-              </a:ext>
-              <a:ext uri="{C183D7F6-B498-43B3-948B-1728B52AA6E4}">
-                <adec:decorative xmlns:adec="http://schemas.microsoft.com/office/drawing/2017/decorative" val="1"/>
-              </a:ext>
-            </a:extLst>
-          </p:cNvPr>
-          <p:cNvSpPr>
-            <a:spLocks noGrp="1" noRot="1" noChangeAspect="1" noMove="1" noResize="1" noEditPoints="1" noAdjustHandles="1" noChangeArrowheads="1" noChangeShapeType="1" noTextEdit="1"/>
-          </p:cNvSpPr>
-          <p:nvPr>
-            <p:extLst>
-              <p:ext uri="{386F3935-93C4-4BCD-93E2-E3B085C9AB24}">
-                <p16:designElem xmlns:p16="http://schemas.microsoft.com/office/powerpoint/2015/main" val="1"/>
-              </p:ext>
-            </p:extLst>
-          </p:nvPr>
-        </p:nvSpPr>
+          <a:bodyPr rtlCol="0" anchor="ctr"/>
+          <a:lstStyle/>
+          <a:p>
+            <a:pPr algn="ctr"/>
+            <a:endParaRPr lang="en-US" dirty="0"/>
+          </a:p>
+        </p:txBody>
+      </p:sp>
+      <p:cxnSp>
+        <p:nvCxnSpPr>
+          <p:cNvPr id="6" name="Straight Connector 5">
+            <a:extLst>
+              <a:ext uri="{FF2B5EF4-FFF2-40B4-BE49-F238E27FC236}">
+                <a16:creationId xmlns:a16="http://schemas.microsoft.com/office/drawing/2014/main" id="{AECD21C8-8C02-4199-B579-ED3316E6378A}"/>
+              </a:ext>
+            </a:extLst>
+          </p:cNvPr>
+          <p:cNvCxnSpPr/>
+          <p:nvPr/>
+        </p:nvCxnSpPr>
         <p:spPr>
           <a:xfrm>
-            <a:off x="0" y="0"/>
-            <a:ext cx="6024154" cy="6858000"/>
+            <a:off x="0" y="566427"/>
+            <a:ext cx="12192000" cy="0"/>
           </a:xfrm>
-          <a:custGeom>
+          <a:prstGeom prst="line">
             <a:avLst/>
-            <a:gdLst>
-              <a:gd name="connsiteX0" fmla="*/ 0 w 6024154"/>
-              <a:gd name="connsiteY0" fmla="*/ 0 h 6858000"/>
-              <a:gd name="connsiteX1" fmla="*/ 5953780 w 6024154"/>
-              <a:gd name="connsiteY1" fmla="*/ 0 h 6858000"/>
-              <a:gd name="connsiteX2" fmla="*/ 5989880 w 6024154"/>
-              <a:gd name="connsiteY2" fmla="*/ 284091 h 6858000"/>
-              <a:gd name="connsiteX3" fmla="*/ 6024154 w 6024154"/>
-              <a:gd name="connsiteY3" fmla="*/ 962844 h 6858000"/>
-              <a:gd name="connsiteX4" fmla="*/ 2549934 w 6024154"/>
-              <a:gd name="connsiteY4" fmla="*/ 6800152 h 6858000"/>
-              <a:gd name="connsiteX5" fmla="*/ 2436987 w 6024154"/>
-              <a:gd name="connsiteY5" fmla="*/ 6858000 h 6858000"/>
-              <a:gd name="connsiteX6" fmla="*/ 0 w 6024154"/>
-              <a:gd name="connsiteY6" fmla="*/ 6858000 h 6858000"/>
-            </a:gdLst>
-            <a:ahLst/>
-            <a:cxnLst>
-              <a:cxn ang="0">
-                <a:pos x="connsiteX0" y="connsiteY0"/>
-              </a:cxn>
-              <a:cxn ang="0">
-                <a:pos x="connsiteX1" y="connsiteY1"/>
-              </a:cxn>
-              <a:cxn ang="0">
-                <a:pos x="connsiteX2" y="connsiteY2"/>
-              </a:cxn>
-              <a:cxn ang="0">
-                <a:pos x="connsiteX3" y="connsiteY3"/>
-              </a:cxn>
-              <a:cxn ang="0">
-                <a:pos x="connsiteX4" y="connsiteY4"/>
-              </a:cxn>
-              <a:cxn ang="0">
-                <a:pos x="connsiteX5" y="connsiteY5"/>
-              </a:cxn>
-              <a:cxn ang="0">
-                <a:pos x="connsiteX6" y="connsiteY6"/>
-              </a:cxn>
-            </a:cxnLst>
-            <a:rect l="l" t="t" r="r" b="b"/>
-            <a:pathLst>
-              <a:path w="6024154" h="6858000">
-                <a:moveTo>
-                  <a:pt x="0" y="0"/>
-                </a:moveTo>
-                <a:lnTo>
-                  <a:pt x="5953780" y="0"/>
-                </a:lnTo>
-                <a:lnTo>
-                  <a:pt x="5989880" y="284091"/>
-                </a:lnTo>
-                <a:cubicBezTo>
-                  <a:pt x="6012544" y="507260"/>
-                  <a:pt x="6024154" y="733696"/>
-                  <a:pt x="6024154" y="962844"/>
-                </a:cubicBezTo>
-                <a:cubicBezTo>
-                  <a:pt x="6024154" y="3483472"/>
-                  <a:pt x="4619336" y="5675986"/>
-                  <a:pt x="2549934" y="6800152"/>
-                </a:cubicBezTo>
-                <a:lnTo>
-                  <a:pt x="2436987" y="6858000"/>
-                </a:lnTo>
-                <a:lnTo>
-                  <a:pt x="0" y="6858000"/>
-                </a:lnTo>
-                <a:close/>
-              </a:path>
-            </a:pathLst>
-          </a:custGeom>
-          <a:solidFill>
-            <a:schemeClr val="bg1"/>
-          </a:solidFill>
-          <a:ln>
-            <a:noFill/>
+          </a:prstGeom>
+          <a:ln w="15875">
+            <a:solidFill>
+              <a:schemeClr val="tx1">
+                <a:lumMod val="75000"/>
+                <a:lumOff val="25000"/>
+              </a:schemeClr>
+            </a:solidFill>
           </a:ln>
         </p:spPr>
         <p:style>
-          <a:lnRef idx="2">
-            <a:schemeClr val="accent1">
-              <a:shade val="50000"/>
-            </a:schemeClr>
+          <a:lnRef idx="1">
+            <a:schemeClr val="accent1"/>
           </a:lnRef>
-          <a:fillRef idx="1">
+          <a:fillRef idx="0">
             <a:schemeClr val="accent1"/>
           </a:fillRef>
           <a:effectRef idx="0">
             <a:schemeClr val="accent1"/>
           </a:effectRef>
           <a:fontRef idx="minor">
-            <a:schemeClr val="lt1"/>
+            <a:schemeClr val="tx1"/>
           </a:fontRef>
         </p:style>
-        <p:txBody>
-          <a:bodyPr wrap="square" rtlCol="0" anchor="ctr">
-            <a:noAutofit/>
-          </a:bodyPr>
-          <a:lstStyle/>
-          <a:p>
-            <a:pPr marL="0" marR="0" lvl="0" indent="0" algn="ctr" defTabSz="914400" rtl="0" eaLnBrk="1" fontAlgn="auto" latinLnBrk="0" hangingPunct="1">
-              <a:lnSpc>
-                <a:spcPct val="100000"/>
-              </a:lnSpc>
-              <a:spcBef>
-                <a:spcPts val="0"/>
-              </a:spcBef>
-              <a:spcAft>
-                <a:spcPts val="0"/>
-              </a:spcAft>
-              <a:buClrTx/>
-              <a:buSzTx/>
-              <a:buFontTx/>
-              <a:buNone/>
-              <a:tabLst/>
-              <a:defRPr/>
-            </a:pPr>
-            <a:endParaRPr kumimoji="0" lang="en-US" sz="1800" b="0" i="0" u="none" strike="noStrike" kern="1200" cap="none" spc="0" normalizeH="0" baseline="0" noProof="0">
-              <a:ln>
-                <a:noFill/>
-              </a:ln>
-              <a:solidFill>
-                <a:prstClr val="white"/>
-              </a:solidFill>
-              <a:effectLst/>
-              <a:uLnTx/>
-              <a:uFillTx/>
-              <a:latin typeface="Calibri" panose="020F0502020204030204"/>
-              <a:ea typeface="+mn-ea"/>
-              <a:cs typeface="+mn-cs"/>
-            </a:endParaRPr>
-          </a:p>
-        </p:txBody>
-      </p:sp>
+      </p:cxnSp>
+      <p:cxnSp>
+        <p:nvCxnSpPr>
+          <p:cNvPr id="7" name="Straight Connector 6">
+            <a:extLst>
+              <a:ext uri="{FF2B5EF4-FFF2-40B4-BE49-F238E27FC236}">
+                <a16:creationId xmlns:a16="http://schemas.microsoft.com/office/drawing/2014/main" id="{55494B79-6AB2-4D53-97C8-4E4570D0A494}"/>
+              </a:ext>
+            </a:extLst>
+          </p:cNvPr>
+          <p:cNvCxnSpPr/>
+          <p:nvPr/>
+        </p:nvCxnSpPr>
+        <p:spPr>
+          <a:xfrm>
+            <a:off x="0" y="2776227"/>
+            <a:ext cx="12192000" cy="0"/>
+          </a:xfrm>
+          <a:prstGeom prst="line">
+            <a:avLst/>
+          </a:prstGeom>
+          <a:ln w="15875">
+            <a:solidFill>
+              <a:schemeClr val="tx1">
+                <a:lumMod val="75000"/>
+                <a:lumOff val="25000"/>
+              </a:schemeClr>
+            </a:solidFill>
+          </a:ln>
+        </p:spPr>
+        <p:style>
+          <a:lnRef idx="1">
+            <a:schemeClr val="accent1"/>
+          </a:lnRef>
+          <a:fillRef idx="0">
+            <a:schemeClr val="accent1"/>
+          </a:fillRef>
+          <a:effectRef idx="0">
+            <a:schemeClr val="accent1"/>
+          </a:effectRef>
+          <a:fontRef idx="minor">
+            <a:schemeClr val="tx1"/>
+          </a:fontRef>
+        </p:style>
+      </p:cxnSp>
       <p:pic>
         <p:nvPicPr>
-          <p:cNvPr id="5" name="Picture 4" descr="A picture containing toy, doll, cake, food&#10;&#10;Description automatically generated">
-            <a:extLst>
-              <a:ext uri="{FF2B5EF4-FFF2-40B4-BE49-F238E27FC236}">
-                <a16:creationId xmlns:a16="http://schemas.microsoft.com/office/drawing/2014/main" id="{F2A48C10-6484-4B9A-8FCD-1CFABF707E0B}"/>
+          <p:cNvPr id="8" name="Picture 7" descr="A picture containing toy, doll, cake, food&#10;&#10;Description automatically generated">
+            <a:extLst>
+              <a:ext uri="{FF2B5EF4-FFF2-40B4-BE49-F238E27FC236}">
+                <a16:creationId xmlns:a16="http://schemas.microsoft.com/office/drawing/2014/main" id="{86EBE32E-F49B-4000-88AC-8A1E94B0C90B}"/>
               </a:ext>
             </a:extLst>
           </p:cNvPr>
@@ -3853,18 +4104,353 @@
         </p:blipFill>
         <p:spPr>
           <a:xfrm>
-            <a:off x="419382" y="1485023"/>
-            <a:ext cx="4047843" cy="2519782"/>
+            <a:off x="3389789" y="3085486"/>
+            <a:ext cx="5409246" cy="3367256"/>
           </a:xfrm>
           <a:prstGeom prst="rect">
             <a:avLst/>
           </a:prstGeom>
         </p:spPr>
       </p:pic>
+      <p:sp>
+        <p:nvSpPr>
+          <p:cNvPr id="15" name="Title 7">
+            <a:extLst>
+              <a:ext uri="{FF2B5EF4-FFF2-40B4-BE49-F238E27FC236}">
+                <a16:creationId xmlns:a16="http://schemas.microsoft.com/office/drawing/2014/main" id="{824B5242-A803-4A04-9F96-1C9F9A3B362A}"/>
+              </a:ext>
+            </a:extLst>
+          </p:cNvPr>
+          <p:cNvSpPr txBox="1">
+            <a:spLocks/>
+          </p:cNvSpPr>
+          <p:nvPr/>
+        </p:nvSpPr>
+        <p:spPr>
+          <a:xfrm>
+            <a:off x="0" y="624933"/>
+            <a:ext cx="12192000" cy="1365233"/>
+          </a:xfrm>
+          <a:prstGeom prst="rect">
+            <a:avLst/>
+          </a:prstGeom>
+        </p:spPr>
+        <p:txBody>
+          <a:bodyPr>
+            <a:normAutofit lnSpcReduction="10000"/>
+          </a:bodyPr>
+          <a:lstStyle>
+            <a:lvl1pPr algn="l" defTabSz="914400" rtl="0" eaLnBrk="1" latinLnBrk="0" hangingPunct="1">
+              <a:lnSpc>
+                <a:spcPct val="90000"/>
+              </a:lnSpc>
+              <a:spcBef>
+                <a:spcPct val="0"/>
+              </a:spcBef>
+              <a:buNone/>
+              <a:defRPr sz="4400" kern="1200">
+                <a:solidFill>
+                  <a:schemeClr val="tx1"/>
+                </a:solidFill>
+                <a:latin typeface="+mj-lt"/>
+                <a:ea typeface="+mj-ea"/>
+                <a:cs typeface="+mj-cs"/>
+              </a:defRPr>
+            </a:lvl1pPr>
+          </a:lstStyle>
+          <a:p>
+            <a:pPr algn="ctr"/>
+            <a:r>
+              <a:rPr lang="en-CA" sz="4800" dirty="0">
+                <a:solidFill>
+                  <a:schemeClr val="bg1"/>
+                </a:solidFill>
+                <a:latin typeface="+mn-lt"/>
+              </a:rPr>
+              <a:t>Parsing Command Line Arguments </a:t>
+            </a:r>
+            <a:br>
+              <a:rPr lang="en-CA" sz="4800" dirty="0">
+                <a:solidFill>
+                  <a:schemeClr val="bg1"/>
+                </a:solidFill>
+                <a:latin typeface="+mn-lt"/>
+              </a:rPr>
+            </a:br>
+            <a:r>
+              <a:rPr lang="en-CA" sz="4800" dirty="0">
+                <a:solidFill>
+                  <a:schemeClr val="bg1"/>
+                </a:solidFill>
+                <a:latin typeface="+mn-lt"/>
+              </a:rPr>
+              <a:t>in .NET Core</a:t>
+            </a:r>
+            <a:endParaRPr lang="en-US" sz="4800" dirty="0">
+              <a:solidFill>
+                <a:schemeClr val="bg1"/>
+              </a:solidFill>
+              <a:latin typeface="+mn-lt"/>
+            </a:endParaRPr>
+          </a:p>
+        </p:txBody>
+      </p:sp>
+      <p:sp>
+        <p:nvSpPr>
+          <p:cNvPr id="16" name="Subtitle 8">
+            <a:extLst>
+              <a:ext uri="{FF2B5EF4-FFF2-40B4-BE49-F238E27FC236}">
+                <a16:creationId xmlns:a16="http://schemas.microsoft.com/office/drawing/2014/main" id="{8C48179B-893A-474F-AAA0-EEED6F124DCC}"/>
+              </a:ext>
+            </a:extLst>
+          </p:cNvPr>
+          <p:cNvSpPr txBox="1">
+            <a:spLocks/>
+          </p:cNvSpPr>
+          <p:nvPr/>
+        </p:nvSpPr>
+        <p:spPr>
+          <a:xfrm>
+            <a:off x="0" y="1990166"/>
+            <a:ext cx="12192000" cy="560294"/>
+          </a:xfrm>
+          <a:prstGeom prst="rect">
+            <a:avLst/>
+          </a:prstGeom>
+        </p:spPr>
+        <p:txBody>
+          <a:bodyPr>
+            <a:noAutofit/>
+          </a:bodyPr>
+          <a:lstStyle>
+            <a:lvl1pPr marL="228600" indent="-228600" algn="l" defTabSz="914400" rtl="0" eaLnBrk="1" latinLnBrk="0" hangingPunct="1">
+              <a:lnSpc>
+                <a:spcPct val="90000"/>
+              </a:lnSpc>
+              <a:spcBef>
+                <a:spcPts val="1000"/>
+              </a:spcBef>
+              <a:buFont typeface="Arial" panose="020B0604020202020204" pitchFamily="34" charset="0"/>
+              <a:buChar char="•"/>
+              <a:defRPr sz="2800" kern="1200">
+                <a:solidFill>
+                  <a:schemeClr val="tx1"/>
+                </a:solidFill>
+                <a:latin typeface="+mn-lt"/>
+                <a:ea typeface="+mn-ea"/>
+                <a:cs typeface="+mn-cs"/>
+              </a:defRPr>
+            </a:lvl1pPr>
+            <a:lvl2pPr marL="685800" indent="-228600" algn="l" defTabSz="914400" rtl="0" eaLnBrk="1" latinLnBrk="0" hangingPunct="1">
+              <a:lnSpc>
+                <a:spcPct val="90000"/>
+              </a:lnSpc>
+              <a:spcBef>
+                <a:spcPts val="500"/>
+              </a:spcBef>
+              <a:buFont typeface="Arial" panose="020B0604020202020204" pitchFamily="34" charset="0"/>
+              <a:buChar char="•"/>
+              <a:defRPr sz="2400" kern="1200">
+                <a:solidFill>
+                  <a:schemeClr val="tx1"/>
+                </a:solidFill>
+                <a:latin typeface="+mn-lt"/>
+                <a:ea typeface="+mn-ea"/>
+                <a:cs typeface="+mn-cs"/>
+              </a:defRPr>
+            </a:lvl2pPr>
+            <a:lvl3pPr marL="1143000" indent="-228600" algn="l" defTabSz="914400" rtl="0" eaLnBrk="1" latinLnBrk="0" hangingPunct="1">
+              <a:lnSpc>
+                <a:spcPct val="90000"/>
+              </a:lnSpc>
+              <a:spcBef>
+                <a:spcPts val="500"/>
+              </a:spcBef>
+              <a:buFont typeface="Arial" panose="020B0604020202020204" pitchFamily="34" charset="0"/>
+              <a:buChar char="•"/>
+              <a:defRPr sz="2000" kern="1200">
+                <a:solidFill>
+                  <a:schemeClr val="tx1"/>
+                </a:solidFill>
+                <a:latin typeface="+mn-lt"/>
+                <a:ea typeface="+mn-ea"/>
+                <a:cs typeface="+mn-cs"/>
+              </a:defRPr>
+            </a:lvl3pPr>
+            <a:lvl4pPr marL="1600200" indent="-228600" algn="l" defTabSz="914400" rtl="0" eaLnBrk="1" latinLnBrk="0" hangingPunct="1">
+              <a:lnSpc>
+                <a:spcPct val="90000"/>
+              </a:lnSpc>
+              <a:spcBef>
+                <a:spcPts val="500"/>
+              </a:spcBef>
+              <a:buFont typeface="Arial" panose="020B0604020202020204" pitchFamily="34" charset="0"/>
+              <a:buChar char="•"/>
+              <a:defRPr sz="1800" kern="1200">
+                <a:solidFill>
+                  <a:schemeClr val="tx1"/>
+                </a:solidFill>
+                <a:latin typeface="+mn-lt"/>
+                <a:ea typeface="+mn-ea"/>
+                <a:cs typeface="+mn-cs"/>
+              </a:defRPr>
+            </a:lvl4pPr>
+            <a:lvl5pPr marL="2057400" indent="-228600" algn="l" defTabSz="914400" rtl="0" eaLnBrk="1" latinLnBrk="0" hangingPunct="1">
+              <a:lnSpc>
+                <a:spcPct val="90000"/>
+              </a:lnSpc>
+              <a:spcBef>
+                <a:spcPts val="500"/>
+              </a:spcBef>
+              <a:buFont typeface="Arial" panose="020B0604020202020204" pitchFamily="34" charset="0"/>
+              <a:buChar char="•"/>
+              <a:defRPr sz="1800" kern="1200">
+                <a:solidFill>
+                  <a:schemeClr val="tx1"/>
+                </a:solidFill>
+                <a:latin typeface="+mn-lt"/>
+                <a:ea typeface="+mn-ea"/>
+                <a:cs typeface="+mn-cs"/>
+              </a:defRPr>
+            </a:lvl5pPr>
+            <a:lvl6pPr marL="2514600" indent="-228600" algn="l" defTabSz="914400" rtl="0" eaLnBrk="1" latinLnBrk="0" hangingPunct="1">
+              <a:lnSpc>
+                <a:spcPct val="90000"/>
+              </a:lnSpc>
+              <a:spcBef>
+                <a:spcPts val="500"/>
+              </a:spcBef>
+              <a:buFont typeface="Arial" panose="020B0604020202020204" pitchFamily="34" charset="0"/>
+              <a:buChar char="•"/>
+              <a:defRPr sz="1800" kern="1200">
+                <a:solidFill>
+                  <a:schemeClr val="tx1"/>
+                </a:solidFill>
+                <a:latin typeface="+mn-lt"/>
+                <a:ea typeface="+mn-ea"/>
+                <a:cs typeface="+mn-cs"/>
+              </a:defRPr>
+            </a:lvl6pPr>
+            <a:lvl7pPr marL="2971800" indent="-228600" algn="l" defTabSz="914400" rtl="0" eaLnBrk="1" latinLnBrk="0" hangingPunct="1">
+              <a:lnSpc>
+                <a:spcPct val="90000"/>
+              </a:lnSpc>
+              <a:spcBef>
+                <a:spcPts val="500"/>
+              </a:spcBef>
+              <a:buFont typeface="Arial" panose="020B0604020202020204" pitchFamily="34" charset="0"/>
+              <a:buChar char="•"/>
+              <a:defRPr sz="1800" kern="1200">
+                <a:solidFill>
+                  <a:schemeClr val="tx1"/>
+                </a:solidFill>
+                <a:latin typeface="+mn-lt"/>
+                <a:ea typeface="+mn-ea"/>
+                <a:cs typeface="+mn-cs"/>
+              </a:defRPr>
+            </a:lvl7pPr>
+            <a:lvl8pPr marL="3429000" indent="-228600" algn="l" defTabSz="914400" rtl="0" eaLnBrk="1" latinLnBrk="0" hangingPunct="1">
+              <a:lnSpc>
+                <a:spcPct val="90000"/>
+              </a:lnSpc>
+              <a:spcBef>
+                <a:spcPts val="500"/>
+              </a:spcBef>
+              <a:buFont typeface="Arial" panose="020B0604020202020204" pitchFamily="34" charset="0"/>
+              <a:buChar char="•"/>
+              <a:defRPr sz="1800" kern="1200">
+                <a:solidFill>
+                  <a:schemeClr val="tx1"/>
+                </a:solidFill>
+                <a:latin typeface="+mn-lt"/>
+                <a:ea typeface="+mn-ea"/>
+                <a:cs typeface="+mn-cs"/>
+              </a:defRPr>
+            </a:lvl8pPr>
+            <a:lvl9pPr marL="3886200" indent="-228600" algn="l" defTabSz="914400" rtl="0" eaLnBrk="1" latinLnBrk="0" hangingPunct="1">
+              <a:lnSpc>
+                <a:spcPct val="90000"/>
+              </a:lnSpc>
+              <a:spcBef>
+                <a:spcPts val="500"/>
+              </a:spcBef>
+              <a:buFont typeface="Arial" panose="020B0604020202020204" pitchFamily="34" charset="0"/>
+              <a:buChar char="•"/>
+              <a:defRPr sz="1800" kern="1200">
+                <a:solidFill>
+                  <a:schemeClr val="tx1"/>
+                </a:solidFill>
+                <a:latin typeface="+mn-lt"/>
+                <a:ea typeface="+mn-ea"/>
+                <a:cs typeface="+mn-cs"/>
+              </a:defRPr>
+            </a:lvl9pPr>
+          </a:lstStyle>
+          <a:p>
+            <a:pPr marL="0" indent="0" algn="ctr">
+              <a:buNone/>
+            </a:pPr>
+            <a:r>
+              <a:rPr lang="en-CA" sz="4000" dirty="0">
+                <a:solidFill>
+                  <a:srgbClr val="F6A322"/>
+                </a:solidFill>
+              </a:rPr>
+              <a:t>Episode #144</a:t>
+            </a:r>
+            <a:endParaRPr lang="en-US" sz="4000" dirty="0">
+              <a:solidFill>
+                <a:srgbClr val="F6A322"/>
+              </a:solidFill>
+            </a:endParaRPr>
+          </a:p>
+        </p:txBody>
+      </p:sp>
+      <p:cxnSp>
+        <p:nvCxnSpPr>
+          <p:cNvPr id="18" name="Straight Connector 17">
+            <a:extLst>
+              <a:ext uri="{FF2B5EF4-FFF2-40B4-BE49-F238E27FC236}">
+                <a16:creationId xmlns:a16="http://schemas.microsoft.com/office/drawing/2014/main" id="{548A4564-54AF-4A44-83A0-B9B7F9E794D4}"/>
+              </a:ext>
+            </a:extLst>
+          </p:cNvPr>
+          <p:cNvCxnSpPr/>
+          <p:nvPr/>
+        </p:nvCxnSpPr>
+        <p:spPr>
+          <a:xfrm>
+            <a:off x="4722158" y="1982495"/>
+            <a:ext cx="2747683" cy="0"/>
+          </a:xfrm>
+          <a:prstGeom prst="line">
+            <a:avLst/>
+          </a:prstGeom>
+          <a:ln w="19050">
+            <a:solidFill>
+              <a:schemeClr val="bg1"/>
+            </a:solidFill>
+          </a:ln>
+        </p:spPr>
+        <p:style>
+          <a:lnRef idx="1">
+            <a:schemeClr val="accent1"/>
+          </a:lnRef>
+          <a:fillRef idx="0">
+            <a:schemeClr val="accent1"/>
+          </a:fillRef>
+          <a:effectRef idx="0">
+            <a:schemeClr val="accent1"/>
+          </a:effectRef>
+          <a:fontRef idx="minor">
+            <a:schemeClr val="tx1"/>
+          </a:fontRef>
+        </p:style>
+      </p:cxnSp>
     </p:spTree>
     <p:extLst>
       <p:ext uri="{BB962C8B-B14F-4D97-AF65-F5344CB8AC3E}">
-        <p14:creationId xmlns:p14="http://schemas.microsoft.com/office/powerpoint/2010/main" val="3918733122"/>
+        <p14:creationId xmlns:p14="http://schemas.microsoft.com/office/powerpoint/2010/main" val="539096823"/>
       </p:ext>
     </p:extLst>
   </p:cSld>
@@ -4167,4 +4753,299 @@
     </a:ext>
   </a:extLst>
 </a:theme>
+</file>
+
+<file path=ppt/theme/theme2.xml><?xml version="1.0" encoding="utf-8"?>
+<a:theme xmlns:a="http://schemas.openxmlformats.org/drawingml/2006/main" name="Office Theme">
+  <a:themeElements>
+    <a:clrScheme name="Office">
+      <a:dk1>
+        <a:sysClr val="windowText" lastClr="000000"/>
+      </a:dk1>
+      <a:lt1>
+        <a:sysClr val="window" lastClr="FFFFFF"/>
+      </a:lt1>
+      <a:dk2>
+        <a:srgbClr val="44546A"/>
+      </a:dk2>
+      <a:lt2>
+        <a:srgbClr val="E7E6E6"/>
+      </a:lt2>
+      <a:accent1>
+        <a:srgbClr val="4472C4"/>
+      </a:accent1>
+      <a:accent2>
+        <a:srgbClr val="ED7D31"/>
+      </a:accent2>
+      <a:accent3>
+        <a:srgbClr val="A5A5A5"/>
+      </a:accent3>
+      <a:accent4>
+        <a:srgbClr val="FFC000"/>
+      </a:accent4>
+      <a:accent5>
+        <a:srgbClr val="5B9BD5"/>
+      </a:accent5>
+      <a:accent6>
+        <a:srgbClr val="70AD47"/>
+      </a:accent6>
+      <a:hlink>
+        <a:srgbClr val="0563C1"/>
+      </a:hlink>
+      <a:folHlink>
+        <a:srgbClr val="954F72"/>
+      </a:folHlink>
+    </a:clrScheme>
+    <a:fontScheme name="Office">
+      <a:majorFont>
+        <a:latin typeface="Calibri Light" panose="020F0302020204030204"/>
+        <a:ea typeface=""/>
+        <a:cs typeface=""/>
+        <a:font script="Jpan" typeface="游ゴシック Light"/>
+        <a:font script="Hang" typeface="맑은 고딕"/>
+        <a:font script="Hans" typeface="等线 Light"/>
+        <a:font script="Hant" typeface="新細明體"/>
+        <a:font script="Arab" typeface="Times New Roman"/>
+        <a:font script="Hebr" typeface="Times New Roman"/>
+        <a:font script="Thai" typeface="Angsana New"/>
+        <a:font script="Ethi" typeface="Nyala"/>
+        <a:font script="Beng" typeface="Vrinda"/>
+        <a:font script="Gujr" typeface="Shruti"/>
+        <a:font script="Khmr" typeface="MoolBoran"/>
+        <a:font script="Knda" typeface="Tunga"/>
+        <a:font script="Guru" typeface="Raavi"/>
+        <a:font script="Cans" typeface="Euphemia"/>
+        <a:font script="Cher" typeface="Plantagenet Cherokee"/>
+        <a:font script="Yiii" typeface="Microsoft Yi Baiti"/>
+        <a:font script="Tibt" typeface="Microsoft Himalaya"/>
+        <a:font script="Thaa" typeface="MV Boli"/>
+        <a:font script="Deva" typeface="Mangal"/>
+        <a:font script="Telu" typeface="Gautami"/>
+        <a:font script="Taml" typeface="Latha"/>
+        <a:font script="Syrc" typeface="Estrangelo Edessa"/>
+        <a:font script="Orya" typeface="Kalinga"/>
+        <a:font script="Mlym" typeface="Kartika"/>
+        <a:font script="Laoo" typeface="DokChampa"/>
+        <a:font script="Sinh" typeface="Iskoola Pota"/>
+        <a:font script="Mong" typeface="Mongolian Baiti"/>
+        <a:font script="Viet" typeface="Times New Roman"/>
+        <a:font script="Uigh" typeface="Microsoft Uighur"/>
+        <a:font script="Geor" typeface="Sylfaen"/>
+        <a:font script="Armn" typeface="Arial"/>
+        <a:font script="Bugi" typeface="Leelawadee UI"/>
+        <a:font script="Bopo" typeface="Microsoft JhengHei"/>
+        <a:font script="Java" typeface="Javanese Text"/>
+        <a:font script="Lisu" typeface="Segoe UI"/>
+        <a:font script="Mymr" typeface="Myanmar Text"/>
+        <a:font script="Nkoo" typeface="Ebrima"/>
+        <a:font script="Olck" typeface="Nirmala UI"/>
+        <a:font script="Osma" typeface="Ebrima"/>
+        <a:font script="Phag" typeface="Phagspa"/>
+        <a:font script="Syrn" typeface="Estrangelo Edessa"/>
+        <a:font script="Syrj" typeface="Estrangelo Edessa"/>
+        <a:font script="Syre" typeface="Estrangelo Edessa"/>
+        <a:font script="Sora" typeface="Nirmala UI"/>
+        <a:font script="Tale" typeface="Microsoft Tai Le"/>
+        <a:font script="Talu" typeface="Microsoft New Tai Lue"/>
+        <a:font script="Tfng" typeface="Ebrima"/>
+      </a:majorFont>
+      <a:minorFont>
+        <a:latin typeface="Calibri" panose="020F0502020204030204"/>
+        <a:ea typeface=""/>
+        <a:cs typeface=""/>
+        <a:font script="Jpan" typeface="游ゴシック"/>
+        <a:font script="Hang" typeface="맑은 고딕"/>
+        <a:font script="Hans" typeface="等线"/>
+        <a:font script="Hant" typeface="新細明體"/>
+        <a:font script="Arab" typeface="Arial"/>
+        <a:font script="Hebr" typeface="Arial"/>
+        <a:font script="Thai" typeface="Cordia New"/>
+        <a:font script="Ethi" typeface="Nyala"/>
+        <a:font script="Beng" typeface="Vrinda"/>
+        <a:font script="Gujr" typeface="Shruti"/>
+        <a:font script="Khmr" typeface="DaunPenh"/>
+        <a:font script="Knda" typeface="Tunga"/>
+        <a:font script="Guru" typeface="Raavi"/>
+        <a:font script="Cans" typeface="Euphemia"/>
+        <a:font script="Cher" typeface="Plantagenet Cherokee"/>
+        <a:font script="Yiii" typeface="Microsoft Yi Baiti"/>
+        <a:font script="Tibt" typeface="Microsoft Himalaya"/>
+        <a:font script="Thaa" typeface="MV Boli"/>
+        <a:font script="Deva" typeface="Mangal"/>
+        <a:font script="Telu" typeface="Gautami"/>
+        <a:font script="Taml" typeface="Latha"/>
+        <a:font script="Syrc" typeface="Estrangelo Edessa"/>
+        <a:font script="Orya" typeface="Kalinga"/>
+        <a:font script="Mlym" typeface="Kartika"/>
+        <a:font script="Laoo" typeface="DokChampa"/>
+        <a:font script="Sinh" typeface="Iskoola Pota"/>
+        <a:font script="Mong" typeface="Mongolian Baiti"/>
+        <a:font script="Viet" typeface="Arial"/>
+        <a:font script="Uigh" typeface="Microsoft Uighur"/>
+        <a:font script="Geor" typeface="Sylfaen"/>
+        <a:font script="Armn" typeface="Arial"/>
+        <a:font script="Bugi" typeface="Leelawadee UI"/>
+        <a:font script="Bopo" typeface="Microsoft JhengHei"/>
+        <a:font script="Java" typeface="Javanese Text"/>
+        <a:font script="Lisu" typeface="Segoe UI"/>
+        <a:font script="Mymr" typeface="Myanmar Text"/>
+        <a:font script="Nkoo" typeface="Ebrima"/>
+        <a:font script="Olck" typeface="Nirmala UI"/>
+        <a:font script="Osma" typeface="Ebrima"/>
+        <a:font script="Phag" typeface="Phagspa"/>
+        <a:font script="Syrn" typeface="Estrangelo Edessa"/>
+        <a:font script="Syrj" typeface="Estrangelo Edessa"/>
+        <a:font script="Syre" typeface="Estrangelo Edessa"/>
+        <a:font script="Sora" typeface="Nirmala UI"/>
+        <a:font script="Tale" typeface="Microsoft Tai Le"/>
+        <a:font script="Talu" typeface="Microsoft New Tai Lue"/>
+        <a:font script="Tfng" typeface="Ebrima"/>
+      </a:minorFont>
+    </a:fontScheme>
+    <a:fmtScheme name="Office">
+      <a:fillStyleLst>
+        <a:solidFill>
+          <a:schemeClr val="phClr"/>
+        </a:solidFill>
+        <a:gradFill rotWithShape="1">
+          <a:gsLst>
+            <a:gs pos="0">
+              <a:schemeClr val="phClr">
+                <a:lumMod val="110000"/>
+                <a:satMod val="105000"/>
+                <a:tint val="67000"/>
+              </a:schemeClr>
+            </a:gs>
+            <a:gs pos="50000">
+              <a:schemeClr val="phClr">
+                <a:lumMod val="105000"/>
+                <a:satMod val="103000"/>
+                <a:tint val="73000"/>
+              </a:schemeClr>
+            </a:gs>
+            <a:gs pos="100000">
+              <a:schemeClr val="phClr">
+                <a:lumMod val="105000"/>
+                <a:satMod val="109000"/>
+                <a:tint val="81000"/>
+              </a:schemeClr>
+            </a:gs>
+          </a:gsLst>
+          <a:lin ang="5400000" scaled="0"/>
+        </a:gradFill>
+        <a:gradFill rotWithShape="1">
+          <a:gsLst>
+            <a:gs pos="0">
+              <a:schemeClr val="phClr">
+                <a:satMod val="103000"/>
+                <a:lumMod val="102000"/>
+                <a:tint val="94000"/>
+              </a:schemeClr>
+            </a:gs>
+            <a:gs pos="50000">
+              <a:schemeClr val="phClr">
+                <a:satMod val="110000"/>
+                <a:lumMod val="100000"/>
+                <a:shade val="100000"/>
+              </a:schemeClr>
+            </a:gs>
+            <a:gs pos="100000">
+              <a:schemeClr val="phClr">
+                <a:lumMod val="99000"/>
+                <a:satMod val="120000"/>
+                <a:shade val="78000"/>
+              </a:schemeClr>
+            </a:gs>
+          </a:gsLst>
+          <a:lin ang="5400000" scaled="0"/>
+        </a:gradFill>
+      </a:fillStyleLst>
+      <a:lnStyleLst>
+        <a:ln w="6350" cap="flat" cmpd="sng" algn="ctr">
+          <a:solidFill>
+            <a:schemeClr val="phClr"/>
+          </a:solidFill>
+          <a:prstDash val="solid"/>
+          <a:miter lim="800000"/>
+        </a:ln>
+        <a:ln w="12700" cap="flat" cmpd="sng" algn="ctr">
+          <a:solidFill>
+            <a:schemeClr val="phClr"/>
+          </a:solidFill>
+          <a:prstDash val="solid"/>
+          <a:miter lim="800000"/>
+        </a:ln>
+        <a:ln w="19050" cap="flat" cmpd="sng" algn="ctr">
+          <a:solidFill>
+            <a:schemeClr val="phClr"/>
+          </a:solidFill>
+          <a:prstDash val="solid"/>
+          <a:miter lim="800000"/>
+        </a:ln>
+      </a:lnStyleLst>
+      <a:effectStyleLst>
+        <a:effectStyle>
+          <a:effectLst/>
+        </a:effectStyle>
+        <a:effectStyle>
+          <a:effectLst/>
+        </a:effectStyle>
+        <a:effectStyle>
+          <a:effectLst>
+            <a:outerShdw blurRad="57150" dist="19050" dir="5400000" algn="ctr" rotWithShape="0">
+              <a:srgbClr val="000000">
+                <a:alpha val="63000"/>
+              </a:srgbClr>
+            </a:outerShdw>
+          </a:effectLst>
+        </a:effectStyle>
+      </a:effectStyleLst>
+      <a:bgFillStyleLst>
+        <a:solidFill>
+          <a:schemeClr val="phClr"/>
+        </a:solidFill>
+        <a:solidFill>
+          <a:schemeClr val="phClr">
+            <a:tint val="95000"/>
+            <a:satMod val="170000"/>
+          </a:schemeClr>
+        </a:solidFill>
+        <a:gradFill rotWithShape="1">
+          <a:gsLst>
+            <a:gs pos="0">
+              <a:schemeClr val="phClr">
+                <a:tint val="93000"/>
+                <a:satMod val="150000"/>
+                <a:shade val="98000"/>
+                <a:lumMod val="102000"/>
+              </a:schemeClr>
+            </a:gs>
+            <a:gs pos="50000">
+              <a:schemeClr val="phClr">
+                <a:tint val="98000"/>
+                <a:satMod val="130000"/>
+                <a:shade val="90000"/>
+                <a:lumMod val="103000"/>
+              </a:schemeClr>
+            </a:gs>
+            <a:gs pos="100000">
+              <a:schemeClr val="phClr">
+                <a:shade val="63000"/>
+                <a:satMod val="120000"/>
+              </a:schemeClr>
+            </a:gs>
+          </a:gsLst>
+          <a:lin ang="5400000" scaled="0"/>
+        </a:gradFill>
+      </a:bgFillStyleLst>
+    </a:fmtScheme>
+  </a:themeElements>
+  <a:objectDefaults/>
+  <a:extraClrSchemeLst/>
+  <a:extLst>
+    <a:ext uri="{05A4C25C-085E-4340-85A3-A5531E510DB2}">
+      <thm15:themeFamily xmlns:thm15="http://schemas.microsoft.com/office/thememl/2012/main" name="Office Theme" id="{62F939B6-93AF-4DB8-9C6B-D6C7DFDC589F}" vid="{4A3C46E8-61CC-4603-A589-7422A47A8E4A}"/>
+    </a:ext>
+  </a:extLst>
+</a:theme>
 </file>
--- a/media/ThumbnailTemplate.pptx
+++ b/media/ThumbnailTemplate.pptx
@@ -5,11 +5,10 @@
     <p:sldMasterId id="2147483648" r:id="rId1"/>
   </p:sldMasterIdLst>
   <p:handoutMasterIdLst>
-    <p:handoutMasterId r:id="rId4"/>
+    <p:handoutMasterId r:id="rId3"/>
   </p:handoutMasterIdLst>
   <p:sldIdLst>
-    <p:sldId id="256" r:id="rId2"/>
-    <p:sldId id="257" r:id="rId3"/>
+    <p:sldId id="257" r:id="rId2"/>
   </p:sldIdLst>
   <p:sldSz cx="12192000" cy="6858000"/>
   <p:notesSz cx="6858000" cy="9144000"/>
@@ -112,6 +111,9 @@
     <p:ext uri="{EFAFB233-063F-42B5-8137-9DF3F51BA10A}">
       <p15:sldGuideLst xmlns:p15="http://schemas.microsoft.com/office/powerpoint/2012/main"/>
     </p:ext>
+    <p:ext uri="{2D200454-40CA-4A62-9FC3-DE9A4176ACB9}">
+      <p15:notesGuideLst xmlns:p15="http://schemas.microsoft.com/office/powerpoint/2012/main"/>
+    </p:ext>
   </p:extLst>
 </p:presentation>
 </file>
@@ -210,7 +212,7 @@
           <a:p>
             <a:fld id="{BE85871F-E2CB-4745-95F9-C2CF77613C12}" type="datetimeFigureOut">
               <a:rPr lang="en-US" smtClean="0"/>
-              <a:t>1/25/2020</a:t>
+              <a:t>3/23/2020</a:t>
             </a:fld>
             <a:endParaRPr lang="en-US"/>
           </a:p>
@@ -452,7 +454,7 @@
           <a:p>
             <a:fld id="{59C95A8B-8514-44D8-B6AF-C67D600D4544}" type="datetimeFigureOut">
               <a:rPr lang="en-US" smtClean="0"/>
-              <a:t>1/25/2020</a:t>
+              <a:t>3/23/2020</a:t>
             </a:fld>
             <a:endParaRPr lang="en-US"/>
           </a:p>
@@ -650,7 +652,7 @@
           <a:p>
             <a:fld id="{59C95A8B-8514-44D8-B6AF-C67D600D4544}" type="datetimeFigureOut">
               <a:rPr lang="en-US" smtClean="0"/>
-              <a:t>1/25/2020</a:t>
+              <a:t>3/23/2020</a:t>
             </a:fld>
             <a:endParaRPr lang="en-US"/>
           </a:p>
@@ -858,7 +860,7 @@
           <a:p>
             <a:fld id="{59C95A8B-8514-44D8-B6AF-C67D600D4544}" type="datetimeFigureOut">
               <a:rPr lang="en-US" smtClean="0"/>
-              <a:t>1/25/2020</a:t>
+              <a:t>3/23/2020</a:t>
             </a:fld>
             <a:endParaRPr lang="en-US"/>
           </a:p>
@@ -1056,7 +1058,7 @@
           <a:p>
             <a:fld id="{59C95A8B-8514-44D8-B6AF-C67D600D4544}" type="datetimeFigureOut">
               <a:rPr lang="en-US" smtClean="0"/>
-              <a:t>1/25/2020</a:t>
+              <a:t>3/23/2020</a:t>
             </a:fld>
             <a:endParaRPr lang="en-US"/>
           </a:p>
@@ -1331,7 +1333,7 @@
           <a:p>
             <a:fld id="{59C95A8B-8514-44D8-B6AF-C67D600D4544}" type="datetimeFigureOut">
               <a:rPr lang="en-US" smtClean="0"/>
-              <a:t>1/25/2020</a:t>
+              <a:t>3/23/2020</a:t>
             </a:fld>
             <a:endParaRPr lang="en-US"/>
           </a:p>
@@ -1596,7 +1598,7 @@
           <a:p>
             <a:fld id="{59C95A8B-8514-44D8-B6AF-C67D600D4544}" type="datetimeFigureOut">
               <a:rPr lang="en-US" smtClean="0"/>
-              <a:t>1/25/2020</a:t>
+              <a:t>3/23/2020</a:t>
             </a:fld>
             <a:endParaRPr lang="en-US"/>
           </a:p>
@@ -2008,7 +2010,7 @@
           <a:p>
             <a:fld id="{59C95A8B-8514-44D8-B6AF-C67D600D4544}" type="datetimeFigureOut">
               <a:rPr lang="en-US" smtClean="0"/>
-              <a:t>1/25/2020</a:t>
+              <a:t>3/23/2020</a:t>
             </a:fld>
             <a:endParaRPr lang="en-US"/>
           </a:p>
@@ -2149,7 +2151,7 @@
           <a:p>
             <a:fld id="{59C95A8B-8514-44D8-B6AF-C67D600D4544}" type="datetimeFigureOut">
               <a:rPr lang="en-US" smtClean="0"/>
-              <a:t>1/25/2020</a:t>
+              <a:t>3/23/2020</a:t>
             </a:fld>
             <a:endParaRPr lang="en-US"/>
           </a:p>
@@ -2262,7 +2264,7 @@
           <a:p>
             <a:fld id="{59C95A8B-8514-44D8-B6AF-C67D600D4544}" type="datetimeFigureOut">
               <a:rPr lang="en-US" smtClean="0"/>
-              <a:t>1/25/2020</a:t>
+              <a:t>3/23/2020</a:t>
             </a:fld>
             <a:endParaRPr lang="en-US"/>
           </a:p>
@@ -2573,7 +2575,7 @@
           <a:p>
             <a:fld id="{59C95A8B-8514-44D8-B6AF-C67D600D4544}" type="datetimeFigureOut">
               <a:rPr lang="en-US" smtClean="0"/>
-              <a:t>1/25/2020</a:t>
+              <a:t>3/23/2020</a:t>
             </a:fld>
             <a:endParaRPr lang="en-US"/>
           </a:p>
@@ -2861,7 +2863,7 @@
           <a:p>
             <a:fld id="{59C95A8B-8514-44D8-B6AF-C67D600D4544}" type="datetimeFigureOut">
               <a:rPr lang="en-US" smtClean="0"/>
-              <a:t>1/25/2020</a:t>
+              <a:t>3/23/2020</a:t>
             </a:fld>
             <a:endParaRPr lang="en-US"/>
           </a:p>
@@ -3102,7 +3104,7 @@
           <a:p>
             <a:fld id="{59C95A8B-8514-44D8-B6AF-C67D600D4544}" type="datetimeFigureOut">
               <a:rPr lang="en-US" smtClean="0"/>
-              <a:t>1/25/2020</a:t>
+              <a:t>3/23/2020</a:t>
             </a:fld>
             <a:endParaRPr lang="en-US"/>
           </a:p>
@@ -3505,415 +3507,6 @@
 <file path=ppt/slides/slide1.xml><?xml version="1.0" encoding="utf-8"?>
 <p:sld xmlns:a="http://schemas.openxmlformats.org/drawingml/2006/main" xmlns:r="http://schemas.openxmlformats.org/officeDocument/2006/relationships" xmlns:p="http://schemas.openxmlformats.org/presentationml/2006/main">
   <p:cSld>
-    <p:bg>
-      <p:bgPr>
-        <a:solidFill>
-          <a:schemeClr val="bg1"/>
-        </a:solidFill>
-        <a:effectLst/>
-      </p:bgPr>
-    </p:bg>
-    <p:spTree>
-      <p:nvGrpSpPr>
-        <p:cNvPr id="1" name=""/>
-        <p:cNvGrpSpPr/>
-        <p:nvPr/>
-      </p:nvGrpSpPr>
-      <p:grpSpPr>
-        <a:xfrm>
-          <a:off x="0" y="0"/>
-          <a:ext cx="0" cy="0"/>
-          <a:chOff x="0" y="0"/>
-          <a:chExt cx="0" cy="0"/>
-        </a:xfrm>
-      </p:grpSpPr>
-      <p:cxnSp>
-        <p:nvCxnSpPr>
-          <p:cNvPr id="32" name="Straight Connector 31">
-            <a:extLst>
-              <a:ext uri="{FF2B5EF4-FFF2-40B4-BE49-F238E27FC236}">
-                <a16:creationId xmlns:a16="http://schemas.microsoft.com/office/drawing/2014/main" id="{D2E961F1-4A28-4A5F-BBD4-6E400E5E6C75}"/>
-              </a:ext>
-              <a:ext uri="{C183D7F6-B498-43B3-948B-1728B52AA6E4}">
-                <adec:decorative xmlns:adec="http://schemas.microsoft.com/office/drawing/2017/decorative" val="1"/>
-              </a:ext>
-            </a:extLst>
-          </p:cNvPr>
-          <p:cNvCxnSpPr>
-            <a:cxnSpLocks noGrp="1" noRot="1" noChangeAspect="1" noMove="1" noResize="1" noEditPoints="1" noAdjustHandles="1" noChangeArrowheads="1" noChangeShapeType="1"/>
-          </p:cNvCxnSpPr>
-          <p:nvPr>
-            <p:extLst>
-              <p:ext uri="{386F3935-93C4-4BCD-93E2-E3B085C9AB24}">
-                <p16:designElem xmlns:p16="http://schemas.microsoft.com/office/powerpoint/2015/main" val="1"/>
-              </p:ext>
-            </p:extLst>
-          </p:nvPr>
-        </p:nvCxnSpPr>
-        <p:spPr bwMode="white">
-          <a:xfrm>
-            <a:off x="0" y="272357"/>
-            <a:ext cx="12188824" cy="0"/>
-          </a:xfrm>
-          <a:prstGeom prst="line">
-            <a:avLst/>
-          </a:prstGeom>
-          <a:ln w="50800">
-            <a:solidFill>
-              <a:schemeClr val="tx1">
-                <a:lumMod val="75000"/>
-                <a:lumOff val="25000"/>
-              </a:schemeClr>
-            </a:solidFill>
-          </a:ln>
-        </p:spPr>
-        <p:style>
-          <a:lnRef idx="1">
-            <a:schemeClr val="accent1"/>
-          </a:lnRef>
-          <a:fillRef idx="0">
-            <a:schemeClr val="accent1"/>
-          </a:fillRef>
-          <a:effectRef idx="0">
-            <a:schemeClr val="accent1"/>
-          </a:effectRef>
-          <a:fontRef idx="minor">
-            <a:schemeClr val="tx1"/>
-          </a:fontRef>
-        </p:style>
-      </p:cxnSp>
-      <p:sp>
-        <p:nvSpPr>
-          <p:cNvPr id="34" name="Rectangle 33">
-            <a:extLst>
-              <a:ext uri="{FF2B5EF4-FFF2-40B4-BE49-F238E27FC236}">
-                <a16:creationId xmlns:a16="http://schemas.microsoft.com/office/drawing/2014/main" id="{7F57BEA8-497D-4AA8-8A18-BDCD696B25FE}"/>
-              </a:ext>
-              <a:ext uri="{C183D7F6-B498-43B3-948B-1728B52AA6E4}">
-                <adec:decorative xmlns:adec="http://schemas.microsoft.com/office/drawing/2017/decorative" val="1"/>
-              </a:ext>
-            </a:extLst>
-          </p:cNvPr>
-          <p:cNvSpPr>
-            <a:spLocks noGrp="1" noRot="1" noChangeAspect="1" noMove="1" noResize="1" noEditPoints="1" noAdjustHandles="1" noChangeArrowheads="1" noChangeShapeType="1" noTextEdit="1"/>
-          </p:cNvSpPr>
-          <p:nvPr>
-            <p:extLst>
-              <p:ext uri="{386F3935-93C4-4BCD-93E2-E3B085C9AB24}">
-                <p16:designElem xmlns:p16="http://schemas.microsoft.com/office/powerpoint/2015/main" val="1"/>
-              </p:ext>
-            </p:extLst>
-          </p:nvPr>
-        </p:nvSpPr>
-        <p:spPr>
-          <a:xfrm>
-            <a:off x="0" y="368596"/>
-            <a:ext cx="12192000" cy="1735555"/>
-          </a:xfrm>
-          <a:prstGeom prst="rect">
-            <a:avLst/>
-          </a:prstGeom>
-          <a:solidFill>
-            <a:schemeClr val="tx1">
-              <a:lumMod val="75000"/>
-              <a:lumOff val="25000"/>
-            </a:schemeClr>
-          </a:solidFill>
-          <a:ln>
-            <a:noFill/>
-          </a:ln>
-        </p:spPr>
-        <p:style>
-          <a:lnRef idx="2">
-            <a:schemeClr val="accent1">
-              <a:shade val="50000"/>
-            </a:schemeClr>
-          </a:lnRef>
-          <a:fillRef idx="1">
-            <a:schemeClr val="accent1"/>
-          </a:fillRef>
-          <a:effectRef idx="0">
-            <a:schemeClr val="accent1"/>
-          </a:effectRef>
-          <a:fontRef idx="minor">
-            <a:schemeClr val="lt1"/>
-          </a:fontRef>
-        </p:style>
-        <p:txBody>
-          <a:bodyPr rtlCol="0" anchor="ctr"/>
-          <a:lstStyle/>
-          <a:p>
-            <a:pPr algn="ctr"/>
-            <a:endParaRPr lang="en-US"/>
-          </a:p>
-        </p:txBody>
-      </p:sp>
-      <p:sp>
-        <p:nvSpPr>
-          <p:cNvPr id="8" name="Title 7">
-            <a:extLst>
-              <a:ext uri="{FF2B5EF4-FFF2-40B4-BE49-F238E27FC236}">
-                <a16:creationId xmlns:a16="http://schemas.microsoft.com/office/drawing/2014/main" id="{2753AF81-4B83-44D8-AE04-F43B716F0670}"/>
-              </a:ext>
-            </a:extLst>
-          </p:cNvPr>
-          <p:cNvSpPr>
-            <a:spLocks noGrp="1"/>
-          </p:cNvSpPr>
-          <p:nvPr>
-            <p:ph type="ctrTitle"/>
-          </p:nvPr>
-        </p:nvSpPr>
-        <p:spPr>
-          <a:xfrm>
-            <a:off x="526073" y="489439"/>
-            <a:ext cx="11139854" cy="930447"/>
-          </a:xfrm>
-        </p:spPr>
-        <p:txBody>
-          <a:bodyPr>
-            <a:normAutofit/>
-          </a:bodyPr>
-          <a:lstStyle/>
-          <a:p>
-            <a:r>
-              <a:rPr lang="en-CA" dirty="0">
-                <a:solidFill>
-                  <a:schemeClr val="bg1"/>
-                </a:solidFill>
-                <a:latin typeface="+mn-lt"/>
-              </a:rPr>
-              <a:t>Exploring</a:t>
-            </a:r>
-            <a:r>
-              <a:rPr lang="en-CA" dirty="0">
-                <a:solidFill>
-                  <a:schemeClr val="bg1"/>
-                </a:solidFill>
-              </a:rPr>
-              <a:t> </a:t>
-            </a:r>
-            <a:r>
-              <a:rPr lang="en-CA" dirty="0" err="1">
-                <a:solidFill>
-                  <a:schemeClr val="bg1"/>
-                </a:solidFill>
-              </a:rPr>
-              <a:t>WebWindow</a:t>
-            </a:r>
-            <a:endParaRPr lang="en-US" dirty="0">
-              <a:solidFill>
-                <a:schemeClr val="bg1"/>
-              </a:solidFill>
-            </a:endParaRPr>
-          </a:p>
-        </p:txBody>
-      </p:sp>
-      <p:sp>
-        <p:nvSpPr>
-          <p:cNvPr id="9" name="Subtitle 8">
-            <a:extLst>
-              <a:ext uri="{FF2B5EF4-FFF2-40B4-BE49-F238E27FC236}">
-                <a16:creationId xmlns:a16="http://schemas.microsoft.com/office/drawing/2014/main" id="{D1557D5F-5989-46B3-BE6D-11649A6E7CF8}"/>
-              </a:ext>
-            </a:extLst>
-          </p:cNvPr>
-          <p:cNvSpPr>
-            <a:spLocks noGrp="1"/>
-          </p:cNvSpPr>
-          <p:nvPr>
-            <p:ph type="subTitle" idx="1"/>
-          </p:nvPr>
-        </p:nvSpPr>
-        <p:spPr>
-          <a:xfrm>
-            <a:off x="1524000" y="1548499"/>
-            <a:ext cx="9144000" cy="420001"/>
-          </a:xfrm>
-        </p:spPr>
-        <p:txBody>
-          <a:bodyPr>
-            <a:noAutofit/>
-          </a:bodyPr>
-          <a:lstStyle/>
-          <a:p>
-            <a:r>
-              <a:rPr lang="en-CA" sz="3600" dirty="0">
-                <a:solidFill>
-                  <a:srgbClr val="F6A322"/>
-                </a:solidFill>
-              </a:rPr>
-              <a:t>Episode #148</a:t>
-            </a:r>
-            <a:endParaRPr lang="en-US" sz="3600" dirty="0">
-              <a:solidFill>
-                <a:srgbClr val="F6A322"/>
-              </a:solidFill>
-            </a:endParaRPr>
-          </a:p>
-        </p:txBody>
-      </p:sp>
-      <p:cxnSp>
-        <p:nvCxnSpPr>
-          <p:cNvPr id="40" name="Straight Connector 35">
-            <a:extLst>
-              <a:ext uri="{FF2B5EF4-FFF2-40B4-BE49-F238E27FC236}">
-                <a16:creationId xmlns:a16="http://schemas.microsoft.com/office/drawing/2014/main" id="{A82415D3-DDE5-4D63-8CB3-23A5EC581B27}"/>
-              </a:ext>
-              <a:ext uri="{C183D7F6-B498-43B3-948B-1728B52AA6E4}">
-                <adec:decorative xmlns:adec="http://schemas.microsoft.com/office/drawing/2017/decorative" val="1"/>
-              </a:ext>
-            </a:extLst>
-          </p:cNvPr>
-          <p:cNvCxnSpPr>
-            <a:cxnSpLocks noGrp="1" noRot="1" noChangeAspect="1" noMove="1" noResize="1" noEditPoints="1" noAdjustHandles="1" noChangeArrowheads="1" noChangeShapeType="1"/>
-          </p:cNvCxnSpPr>
-          <p:nvPr>
-            <p:extLst>
-              <p:ext uri="{386F3935-93C4-4BCD-93E2-E3B085C9AB24}">
-                <p16:designElem xmlns:p16="http://schemas.microsoft.com/office/powerpoint/2015/main" val="1"/>
-              </p:ext>
-            </p:extLst>
-          </p:nvPr>
-        </p:nvCxnSpPr>
-        <p:spPr>
-          <a:xfrm>
-            <a:off x="4724400" y="1479733"/>
-            <a:ext cx="2743200" cy="0"/>
-          </a:xfrm>
-          <a:prstGeom prst="line">
-            <a:avLst/>
-          </a:prstGeom>
-          <a:ln w="19050">
-            <a:solidFill>
-              <a:schemeClr val="bg1">
-                <a:alpha val="75000"/>
-              </a:schemeClr>
-            </a:solidFill>
-          </a:ln>
-        </p:spPr>
-        <p:style>
-          <a:lnRef idx="1">
-            <a:schemeClr val="accent1"/>
-          </a:lnRef>
-          <a:fillRef idx="0">
-            <a:schemeClr val="accent1"/>
-          </a:fillRef>
-          <a:effectRef idx="0">
-            <a:schemeClr val="accent1"/>
-          </a:effectRef>
-          <a:fontRef idx="minor">
-            <a:schemeClr val="tx1"/>
-          </a:fontRef>
-        </p:style>
-      </p:cxnSp>
-      <p:cxnSp>
-        <p:nvCxnSpPr>
-          <p:cNvPr id="41" name="Straight Connector 37">
-            <a:extLst>
-              <a:ext uri="{FF2B5EF4-FFF2-40B4-BE49-F238E27FC236}">
-                <a16:creationId xmlns:a16="http://schemas.microsoft.com/office/drawing/2014/main" id="{AD7193FB-6AE6-4B3B-8F89-56B55DD63B4D}"/>
-              </a:ext>
-              <a:ext uri="{C183D7F6-B498-43B3-948B-1728B52AA6E4}">
-                <adec:decorative xmlns:adec="http://schemas.microsoft.com/office/drawing/2017/decorative" val="1"/>
-              </a:ext>
-            </a:extLst>
-          </p:cNvPr>
-          <p:cNvCxnSpPr>
-            <a:cxnSpLocks noGrp="1" noRot="1" noChangeAspect="1" noMove="1" noResize="1" noEditPoints="1" noAdjustHandles="1" noChangeArrowheads="1" noChangeShapeType="1"/>
-          </p:cNvCxnSpPr>
-          <p:nvPr>
-            <p:extLst>
-              <p:ext uri="{386F3935-93C4-4BCD-93E2-E3B085C9AB24}">
-                <p16:designElem xmlns:p16="http://schemas.microsoft.com/office/powerpoint/2015/main" val="1"/>
-              </p:ext>
-            </p:extLst>
-          </p:nvPr>
-        </p:nvCxnSpPr>
-        <p:spPr bwMode="white">
-          <a:xfrm>
-            <a:off x="0" y="2201402"/>
-            <a:ext cx="12188824" cy="0"/>
-          </a:xfrm>
-          <a:prstGeom prst="line">
-            <a:avLst/>
-          </a:prstGeom>
-          <a:ln w="50800">
-            <a:solidFill>
-              <a:schemeClr val="tx1">
-                <a:lumMod val="75000"/>
-                <a:lumOff val="25000"/>
-              </a:schemeClr>
-            </a:solidFill>
-          </a:ln>
-        </p:spPr>
-        <p:style>
-          <a:lnRef idx="1">
-            <a:schemeClr val="accent1"/>
-          </a:lnRef>
-          <a:fillRef idx="0">
-            <a:schemeClr val="accent1"/>
-          </a:fillRef>
-          <a:effectRef idx="0">
-            <a:schemeClr val="accent1"/>
-          </a:effectRef>
-          <a:fontRef idx="minor">
-            <a:schemeClr val="tx1"/>
-          </a:fontRef>
-        </p:style>
-      </p:cxnSp>
-      <p:pic>
-        <p:nvPicPr>
-          <p:cNvPr id="5" name="Picture 4" descr="A picture containing toy, doll, cake, food&#10;&#10;Description automatically generated">
-            <a:extLst>
-              <a:ext uri="{FF2B5EF4-FFF2-40B4-BE49-F238E27FC236}">
-                <a16:creationId xmlns:a16="http://schemas.microsoft.com/office/drawing/2014/main" id="{F2A48C10-6484-4B9A-8FCD-1CFABF707E0B}"/>
-              </a:ext>
-            </a:extLst>
-          </p:cNvPr>
-          <p:cNvPicPr>
-            <a:picLocks noChangeAspect="1"/>
-          </p:cNvPicPr>
-          <p:nvPr/>
-        </p:nvPicPr>
-        <p:blipFill>
-          <a:blip r:embed="rId2">
-            <a:extLst>
-              <a:ext uri="{28A0092B-C50C-407E-A947-70E740481C1C}">
-                <a14:useLocalDpi xmlns:a14="http://schemas.microsoft.com/office/drawing/2010/main" val="0"/>
-              </a:ext>
-            </a:extLst>
-          </a:blip>
-          <a:stretch>
-            <a:fillRect/>
-          </a:stretch>
-        </p:blipFill>
-        <p:spPr>
-          <a:xfrm>
-            <a:off x="3389789" y="3085486"/>
-            <a:ext cx="5409246" cy="3367256"/>
-          </a:xfrm>
-          <a:prstGeom prst="rect">
-            <a:avLst/>
-          </a:prstGeom>
-        </p:spPr>
-      </p:pic>
-    </p:spTree>
-    <p:extLst>
-      <p:ext uri="{BB962C8B-B14F-4D97-AF65-F5344CB8AC3E}">
-        <p14:creationId xmlns:p14="http://schemas.microsoft.com/office/powerpoint/2010/main" val="3918733122"/>
-      </p:ext>
-    </p:extLst>
-  </p:cSld>
-  <p:clrMapOvr>
-    <a:masterClrMapping/>
-  </p:clrMapOvr>
-</p:sld>
-</file>
-
-<file path=ppt/slides/slide2.xml><?xml version="1.0" encoding="utf-8"?>
-<p:sld xmlns:a="http://schemas.openxmlformats.org/drawingml/2006/main" xmlns:r="http://schemas.openxmlformats.org/officeDocument/2006/relationships" xmlns:p="http://schemas.openxmlformats.org/presentationml/2006/main">
-  <p:cSld>
     <p:spTree>
       <p:nvGrpSpPr>
         <p:cNvPr id="1" name=""/>
@@ -4136,8 +3729,8 @@
           </a:prstGeom>
         </p:spPr>
         <p:txBody>
-          <a:bodyPr>
-            <a:normAutofit lnSpcReduction="10000"/>
+          <a:bodyPr anchor="ctr">
+            <a:normAutofit/>
           </a:bodyPr>
           <a:lstStyle>
             <a:lvl1pPr algn="l" defTabSz="914400" rtl="0" eaLnBrk="1" latinLnBrk="0" hangingPunct="1">
@@ -4161,37 +3754,14 @@
           <a:p>
             <a:pPr algn="ctr"/>
             <a:r>
-              <a:rPr lang="en-CA" sz="4800" dirty="0">
+              <a:rPr lang="en-US" sz="6000" dirty="0">
                 <a:solidFill>
                   <a:schemeClr val="bg1"/>
                 </a:solidFill>
                 <a:latin typeface="+mn-lt"/>
               </a:rPr>
-              <a:t>Parsing Command Line Arguments </a:t>
-            </a:r>
-            <a:br>
-              <a:rPr lang="en-CA" sz="4800" dirty="0">
-                <a:solidFill>
-                  <a:schemeClr val="bg1"/>
-                </a:solidFill>
-                <a:latin typeface="+mn-lt"/>
-              </a:rPr>
-            </a:br>
-            <a:r>
-              <a:rPr lang="en-CA" sz="4800" dirty="0">
-                <a:solidFill>
-                  <a:schemeClr val="bg1"/>
-                </a:solidFill>
-                <a:latin typeface="+mn-lt"/>
-              </a:rPr>
-              <a:t>in .NET Core</a:t>
-            </a:r>
-            <a:endParaRPr lang="en-US" sz="4800" dirty="0">
-              <a:solidFill>
-                <a:schemeClr val="bg1"/>
-              </a:solidFill>
-              <a:latin typeface="+mn-lt"/>
-            </a:endParaRPr>
+              <a:t>C# 8 – Default Implementations</a:t>
+            </a:r>
           </a:p>
         </p:txBody>
       </p:sp>
@@ -4396,7 +3966,7 @@
                   <a:srgbClr val="F6A322"/>
                 </a:solidFill>
               </a:rPr>
-              <a:t>Episode #144</a:t>
+              <a:t>Episode #157</a:t>
             </a:r>
             <a:endParaRPr lang="en-US" sz="4000" dirty="0">
               <a:solidFill>
